--- a/Presentation/fcl.pptx
+++ b/Presentation/fcl.pptx
@@ -129,6 +129,22 @@
       </a:defRPr>
     </a:lvl9pPr>
   </p:defaultTextStyle>
+  <p:extLst>
+    <p:ext uri="{EFAFB233-063F-42B5-8137-9DF3F51BA10A}">
+      <p15:sldGuideLst xmlns:p15="http://schemas.microsoft.com/office/powerpoint/2012/main">
+        <p15:guide id="1" orient="horz" pos="2160">
+          <p15:clr>
+            <a:srgbClr val="A4A3A4"/>
+          </p15:clr>
+        </p15:guide>
+        <p15:guide id="2" pos="2880">
+          <p15:clr>
+            <a:srgbClr val="A4A3A4"/>
+          </p15:clr>
+        </p15:guide>
+      </p15:sldGuideLst>
+    </p:ext>
+  </p:extLst>
 </p:presentation>
 </file>
 
@@ -214,7 +230,7 @@
           <a:p>
             <a:fld id="{B24A7054-7FFB-49F4-A126-5DF6E687FF53}" type="datetimeFigureOut">
               <a:rPr lang="ru-RU" smtClean="0"/>
-              <a:t>29.10.2015</a:t>
+              <a:t>01.07.2018</a:t>
             </a:fld>
             <a:endParaRPr lang="ru-RU"/>
           </a:p>
@@ -278,35 +294,35 @@
           <a:p>
             <a:pPr lvl="0"/>
             <a:r>
-              <a:rPr lang="en-US" smtClean="0"/>
+              <a:rPr lang="en-US"/>
               <a:t>Click to edit Master text styles</a:t>
             </a:r>
           </a:p>
           <a:p>
             <a:pPr lvl="1"/>
             <a:r>
-              <a:rPr lang="en-US" smtClean="0"/>
+              <a:rPr lang="en-US"/>
               <a:t>Second level</a:t>
             </a:r>
           </a:p>
           <a:p>
             <a:pPr lvl="2"/>
             <a:r>
-              <a:rPr lang="en-US" smtClean="0"/>
+              <a:rPr lang="en-US"/>
               <a:t>Third level</a:t>
             </a:r>
           </a:p>
           <a:p>
             <a:pPr lvl="3"/>
             <a:r>
-              <a:rPr lang="en-US" smtClean="0"/>
+              <a:rPr lang="en-US"/>
               <a:t>Fourth level</a:t>
             </a:r>
           </a:p>
           <a:p>
             <a:pPr lvl="4"/>
             <a:r>
-              <a:rPr lang="en-US" smtClean="0"/>
+              <a:rPr lang="en-US"/>
               <a:t>Fifth level</a:t>
             </a:r>
             <a:endParaRPr lang="ru-RU"/>
@@ -522,7 +538,7 @@
           <a:p>
             <a:pPr algn="ctr"/>
             <a:r>
-              <a:rPr lang="ru-RU" sz="3600" b="1" i="1" dirty="0" smtClean="0">
+              <a:rPr lang="ru-RU" sz="3600" b="1" i="1" dirty="0">
                 <a:solidFill>
                   <a:schemeClr val="bg1"/>
                 </a:solidFill>
@@ -530,7 +546,7 @@
               <a:t>Основы программирования на </a:t>
             </a:r>
             <a:r>
-              <a:rPr lang="en-US" sz="3600" b="1" i="1" dirty="0" smtClean="0">
+              <a:rPr lang="en-US" sz="3600" b="1" i="1" dirty="0">
                 <a:solidFill>
                   <a:schemeClr val="bg1"/>
                 </a:solidFill>
@@ -637,18 +653,10 @@
                   <a:schemeClr val="bg1"/>
                 </a:solidFill>
               </a:rPr>
-              <a:t>Занятие </a:t>
-            </a:r>
-            <a:r>
-              <a:rPr lang="ru-RU" sz="2400" dirty="0" smtClean="0">
-                <a:solidFill>
-                  <a:schemeClr val="bg1"/>
-                </a:solidFill>
-              </a:rPr>
-              <a:t>№</a:t>
-            </a:r>
-            <a:r>
-              <a:rPr lang="en-US" sz="2400" dirty="0" smtClean="0">
+              <a:t>Занятие №</a:t>
+            </a:r>
+            <a:r>
+              <a:rPr lang="en-US" sz="2400" dirty="0">
                 <a:solidFill>
                   <a:schemeClr val="bg1"/>
                 </a:solidFill>
@@ -656,7 +664,7 @@
               <a:t>1</a:t>
             </a:r>
             <a:r>
-              <a:rPr lang="ru-RU" sz="2400" dirty="0" smtClean="0">
+              <a:rPr lang="ru-RU" sz="2400" dirty="0">
                 <a:solidFill>
                   <a:schemeClr val="bg1"/>
                 </a:solidFill>
@@ -681,13 +689,6 @@
   <p:clrMapOvr>
     <a:masterClrMapping/>
   </p:clrMapOvr>
-  <p:timing>
-    <p:tnLst>
-      <p:par>
-        <p:cTn id="1" dur="indefinite" restart="never" nodeType="tmRoot"/>
-      </p:par>
-    </p:tnLst>
-  </p:timing>
 </p:sldLayout>
 </file>
 
@@ -733,7 +734,7 @@
           </a:lstStyle>
           <a:p>
             <a:r>
-              <a:rPr lang="en-US" smtClean="0"/>
+              <a:rPr lang="en-US"/>
               <a:t>Click to edit Master title style</a:t>
             </a:r>
             <a:endParaRPr lang="ru-RU" dirty="0"/>
@@ -790,35 +791,35 @@
           <a:p>
             <a:pPr lvl="0"/>
             <a:r>
-              <a:rPr lang="en-US" smtClean="0"/>
+              <a:rPr lang="en-US"/>
               <a:t>Click to edit Master text styles</a:t>
             </a:r>
           </a:p>
           <a:p>
             <a:pPr lvl="1"/>
             <a:r>
-              <a:rPr lang="en-US" smtClean="0"/>
+              <a:rPr lang="en-US"/>
               <a:t>Second level</a:t>
             </a:r>
           </a:p>
           <a:p>
             <a:pPr lvl="2"/>
             <a:r>
-              <a:rPr lang="en-US" smtClean="0"/>
+              <a:rPr lang="en-US"/>
               <a:t>Third level</a:t>
             </a:r>
           </a:p>
           <a:p>
             <a:pPr lvl="3"/>
             <a:r>
-              <a:rPr lang="en-US" smtClean="0"/>
+              <a:rPr lang="en-US"/>
               <a:t>Fourth level</a:t>
             </a:r>
           </a:p>
           <a:p>
             <a:pPr lvl="4"/>
             <a:r>
-              <a:rPr lang="en-US" smtClean="0"/>
+              <a:rPr lang="en-US"/>
               <a:t>Fifth level</a:t>
             </a:r>
             <a:endParaRPr lang="ru-RU" dirty="0"/>
@@ -884,7 +885,7 @@
           <a:p>
             <a:pPr lvl="0"/>
             <a:r>
-              <a:rPr lang="en-US" smtClean="0"/>
+              <a:rPr lang="en-US"/>
               <a:t>Click to edit Master text styles</a:t>
             </a:r>
           </a:p>
@@ -945,7 +946,7 @@
           </a:lstStyle>
           <a:p>
             <a:r>
-              <a:rPr lang="en-US" smtClean="0"/>
+              <a:rPr lang="en-US"/>
               <a:t>Click to edit Master title style</a:t>
             </a:r>
             <a:endParaRPr lang="ru-RU" dirty="0"/>
@@ -1010,7 +1011,7 @@
           </a:lstStyle>
           <a:p>
             <a:r>
-              <a:rPr lang="en-US" smtClean="0"/>
+              <a:rPr lang="en-US"/>
               <a:t>Click icon to add picture</a:t>
             </a:r>
             <a:endParaRPr lang="ru-RU"/>
@@ -1076,7 +1077,7 @@
           <a:p>
             <a:pPr lvl="0"/>
             <a:r>
-              <a:rPr lang="en-US" smtClean="0"/>
+              <a:rPr lang="en-US"/>
               <a:t>Click to edit Master text styles</a:t>
             </a:r>
           </a:p>
@@ -1128,7 +1129,7 @@
           <a:lstStyle/>
           <a:p>
             <a:r>
-              <a:rPr lang="en-US" smtClean="0"/>
+              <a:rPr lang="en-US"/>
               <a:t>Click to edit Master title style</a:t>
             </a:r>
             <a:endParaRPr lang="ru-RU" dirty="0"/>
@@ -1152,35 +1153,35 @@
           <a:p>
             <a:pPr lvl="0"/>
             <a:r>
-              <a:rPr lang="en-US" smtClean="0"/>
+              <a:rPr lang="en-US"/>
               <a:t>Click to edit Master text styles</a:t>
             </a:r>
           </a:p>
           <a:p>
             <a:pPr lvl="1"/>
             <a:r>
-              <a:rPr lang="en-US" smtClean="0"/>
+              <a:rPr lang="en-US"/>
               <a:t>Second level</a:t>
             </a:r>
           </a:p>
           <a:p>
             <a:pPr lvl="2"/>
             <a:r>
-              <a:rPr lang="en-US" smtClean="0"/>
+              <a:rPr lang="en-US"/>
               <a:t>Third level</a:t>
             </a:r>
           </a:p>
           <a:p>
             <a:pPr lvl="3"/>
             <a:r>
-              <a:rPr lang="en-US" smtClean="0"/>
+              <a:rPr lang="en-US"/>
               <a:t>Fourth level</a:t>
             </a:r>
           </a:p>
           <a:p>
             <a:pPr lvl="4"/>
             <a:r>
-              <a:rPr lang="en-US" smtClean="0"/>
+              <a:rPr lang="en-US"/>
               <a:t>Fifth level</a:t>
             </a:r>
             <a:endParaRPr lang="ru-RU" dirty="0"/>
@@ -1238,7 +1239,7 @@
           <a:lstStyle/>
           <a:p>
             <a:r>
-              <a:rPr lang="en-US" smtClean="0"/>
+              <a:rPr lang="en-US"/>
               <a:t>Click to edit Master title style</a:t>
             </a:r>
             <a:endParaRPr lang="ru-RU" dirty="0"/>
@@ -1267,35 +1268,35 @@
           <a:p>
             <a:pPr lvl="0"/>
             <a:r>
-              <a:rPr lang="en-US" smtClean="0"/>
+              <a:rPr lang="en-US"/>
               <a:t>Click to edit Master text styles</a:t>
             </a:r>
           </a:p>
           <a:p>
             <a:pPr lvl="1"/>
             <a:r>
-              <a:rPr lang="en-US" smtClean="0"/>
+              <a:rPr lang="en-US"/>
               <a:t>Second level</a:t>
             </a:r>
           </a:p>
           <a:p>
             <a:pPr lvl="2"/>
             <a:r>
-              <a:rPr lang="en-US" smtClean="0"/>
+              <a:rPr lang="en-US"/>
               <a:t>Third level</a:t>
             </a:r>
           </a:p>
           <a:p>
             <a:pPr lvl="3"/>
             <a:r>
-              <a:rPr lang="en-US" smtClean="0"/>
+              <a:rPr lang="en-US"/>
               <a:t>Fourth level</a:t>
             </a:r>
           </a:p>
           <a:p>
             <a:pPr lvl="4"/>
             <a:r>
-              <a:rPr lang="en-US" smtClean="0"/>
+              <a:rPr lang="en-US"/>
               <a:t>Fifth level</a:t>
             </a:r>
             <a:endParaRPr lang="ru-RU" dirty="0"/>
@@ -1353,7 +1354,7 @@
           <a:lstStyle/>
           <a:p>
             <a:r>
-              <a:rPr lang="en-US" smtClean="0"/>
+              <a:rPr lang="en-US"/>
               <a:t>Click to edit Master title style</a:t>
             </a:r>
             <a:endParaRPr lang="ru-RU"/>
@@ -1472,7 +1473,7 @@
           </a:lstStyle>
           <a:p>
             <a:r>
-              <a:rPr lang="en-US" smtClean="0"/>
+              <a:rPr lang="en-US"/>
               <a:t>Click to edit Master subtitle style</a:t>
             </a:r>
             <a:endParaRPr lang="ru-RU"/>
@@ -1496,7 +1497,7 @@
           <a:p>
             <a:fld id="{8E6E6A2A-E9D3-4A0D-B04A-ABDD367A1E08}" type="datetimeFigureOut">
               <a:rPr lang="ru-RU" smtClean="0"/>
-              <a:t>29.10.2015</a:t>
+              <a:t>01.07.2018</a:t>
             </a:fld>
             <a:endParaRPr lang="ru-RU"/>
           </a:p>
@@ -1602,18 +1603,10 @@
                   <a:schemeClr val="bg1"/>
                 </a:solidFill>
               </a:rPr>
-              <a:t>Занятие </a:t>
-            </a:r>
-            <a:r>
-              <a:rPr lang="ru-RU" sz="2400" dirty="0" smtClean="0">
-                <a:solidFill>
-                  <a:schemeClr val="bg1"/>
-                </a:solidFill>
-              </a:rPr>
-              <a:t>№</a:t>
-            </a:r>
-            <a:r>
-              <a:rPr lang="en-US" sz="2400" dirty="0" smtClean="0">
+              <a:t>Занятие №</a:t>
+            </a:r>
+            <a:r>
+              <a:rPr lang="en-US" sz="2400" dirty="0">
                 <a:solidFill>
                   <a:schemeClr val="bg1"/>
                 </a:solidFill>
@@ -1621,7 +1614,7 @@
               <a:t>2</a:t>
             </a:r>
             <a:r>
-              <a:rPr lang="ru-RU" sz="2400" dirty="0" smtClean="0">
+              <a:rPr lang="ru-RU" sz="2400" dirty="0">
                 <a:solidFill>
                   <a:schemeClr val="bg1"/>
                 </a:solidFill>
@@ -1659,7 +1652,7 @@
           <a:p>
             <a:pPr algn="ctr"/>
             <a:r>
-              <a:rPr lang="ru-RU" sz="3600" b="1" i="1" dirty="0" smtClean="0">
+              <a:rPr lang="ru-RU" sz="3600" b="1" i="1" dirty="0">
                 <a:solidFill>
                   <a:schemeClr val="bg1"/>
                 </a:solidFill>
@@ -1667,7 +1660,7 @@
               <a:t>Основы программирования на </a:t>
             </a:r>
             <a:r>
-              <a:rPr lang="en-US" sz="3600" b="1" i="1" dirty="0" smtClean="0">
+              <a:rPr lang="en-US" sz="3600" b="1" i="1" dirty="0">
                 <a:solidFill>
                   <a:schemeClr val="bg1"/>
                 </a:solidFill>
@@ -1756,13 +1749,6 @@
   <p:clrMapOvr>
     <a:masterClrMapping/>
   </p:clrMapOvr>
-  <p:timing>
-    <p:tnLst>
-      <p:par>
-        <p:cTn id="1" dur="indefinite" restart="never" nodeType="tmRoot"/>
-      </p:par>
-    </p:tnLst>
-  </p:timing>
 </p:sldLayout>
 </file>
 
@@ -1799,7 +1785,7 @@
           <a:lstStyle/>
           <a:p>
             <a:r>
-              <a:rPr lang="en-US" smtClean="0"/>
+              <a:rPr lang="en-US"/>
               <a:t>Click to edit Master title style</a:t>
             </a:r>
             <a:endParaRPr lang="ru-RU" dirty="0"/>
@@ -1823,35 +1809,35 @@
           <a:p>
             <a:pPr lvl="0"/>
             <a:r>
-              <a:rPr lang="en-US" smtClean="0"/>
+              <a:rPr lang="en-US"/>
               <a:t>Click to edit Master text styles</a:t>
             </a:r>
           </a:p>
           <a:p>
             <a:pPr lvl="1"/>
             <a:r>
-              <a:rPr lang="en-US" smtClean="0"/>
+              <a:rPr lang="en-US"/>
               <a:t>Second level</a:t>
             </a:r>
           </a:p>
           <a:p>
             <a:pPr lvl="2"/>
             <a:r>
-              <a:rPr lang="en-US" smtClean="0"/>
+              <a:rPr lang="en-US"/>
               <a:t>Third level</a:t>
             </a:r>
           </a:p>
           <a:p>
             <a:pPr lvl="3"/>
             <a:r>
-              <a:rPr lang="en-US" smtClean="0"/>
+              <a:rPr lang="en-US"/>
               <a:t>Fourth level</a:t>
             </a:r>
           </a:p>
           <a:p>
             <a:pPr lvl="4"/>
             <a:r>
-              <a:rPr lang="en-US" smtClean="0"/>
+              <a:rPr lang="en-US"/>
               <a:t>Fifth level</a:t>
             </a:r>
             <a:endParaRPr lang="ru-RU" dirty="0"/>
@@ -1913,7 +1899,7 @@
           </a:lstStyle>
           <a:p>
             <a:r>
-              <a:rPr lang="en-US" smtClean="0"/>
+              <a:rPr lang="en-US"/>
               <a:t>Click to edit Master title style</a:t>
             </a:r>
             <a:endParaRPr lang="ru-RU" dirty="0"/>
@@ -2033,7 +2019,7 @@
           <a:p>
             <a:pPr lvl="0"/>
             <a:r>
-              <a:rPr lang="en-US" smtClean="0"/>
+              <a:rPr lang="en-US"/>
               <a:t>Click to edit Master text styles</a:t>
             </a:r>
           </a:p>
@@ -2085,7 +2071,7 @@
           <a:lstStyle/>
           <a:p>
             <a:r>
-              <a:rPr lang="en-US" smtClean="0"/>
+              <a:rPr lang="en-US"/>
               <a:t>Click to edit Master title style</a:t>
             </a:r>
             <a:endParaRPr lang="ru-RU" dirty="0"/>
@@ -2142,35 +2128,35 @@
           <a:p>
             <a:pPr lvl="0"/>
             <a:r>
-              <a:rPr lang="en-US" smtClean="0"/>
+              <a:rPr lang="en-US"/>
               <a:t>Click to edit Master text styles</a:t>
             </a:r>
           </a:p>
           <a:p>
             <a:pPr lvl="1"/>
             <a:r>
-              <a:rPr lang="en-US" smtClean="0"/>
+              <a:rPr lang="en-US"/>
               <a:t>Second level</a:t>
             </a:r>
           </a:p>
           <a:p>
             <a:pPr lvl="2"/>
             <a:r>
-              <a:rPr lang="en-US" smtClean="0"/>
+              <a:rPr lang="en-US"/>
               <a:t>Third level</a:t>
             </a:r>
           </a:p>
           <a:p>
             <a:pPr lvl="3"/>
             <a:r>
-              <a:rPr lang="en-US" smtClean="0"/>
+              <a:rPr lang="en-US"/>
               <a:t>Fourth level</a:t>
             </a:r>
           </a:p>
           <a:p>
             <a:pPr lvl="4"/>
             <a:r>
-              <a:rPr lang="en-US" smtClean="0"/>
+              <a:rPr lang="en-US"/>
               <a:t>Fifth level</a:t>
             </a:r>
             <a:endParaRPr lang="ru-RU" dirty="0"/>
@@ -2227,35 +2213,35 @@
           <a:p>
             <a:pPr lvl="0"/>
             <a:r>
-              <a:rPr lang="en-US" smtClean="0"/>
+              <a:rPr lang="en-US"/>
               <a:t>Click to edit Master text styles</a:t>
             </a:r>
           </a:p>
           <a:p>
             <a:pPr lvl="1"/>
             <a:r>
-              <a:rPr lang="en-US" smtClean="0"/>
+              <a:rPr lang="en-US"/>
               <a:t>Second level</a:t>
             </a:r>
           </a:p>
           <a:p>
             <a:pPr lvl="2"/>
             <a:r>
-              <a:rPr lang="en-US" smtClean="0"/>
+              <a:rPr lang="en-US"/>
               <a:t>Third level</a:t>
             </a:r>
           </a:p>
           <a:p>
             <a:pPr lvl="3"/>
             <a:r>
-              <a:rPr lang="en-US" smtClean="0"/>
+              <a:rPr lang="en-US"/>
               <a:t>Fourth level</a:t>
             </a:r>
           </a:p>
           <a:p>
             <a:pPr lvl="4"/>
             <a:r>
-              <a:rPr lang="en-US" smtClean="0"/>
+              <a:rPr lang="en-US"/>
               <a:t>Fifth level</a:t>
             </a:r>
             <a:endParaRPr lang="ru-RU" dirty="0"/>
@@ -2312,7 +2298,7 @@
           </a:lstStyle>
           <a:p>
             <a:r>
-              <a:rPr lang="en-US" smtClean="0"/>
+              <a:rPr lang="en-US"/>
               <a:t>Click to edit Master title style</a:t>
             </a:r>
             <a:endParaRPr lang="ru-RU" dirty="0"/>
@@ -2378,7 +2364,7 @@
           <a:p>
             <a:pPr lvl="0"/>
             <a:r>
-              <a:rPr lang="en-US" smtClean="0"/>
+              <a:rPr lang="en-US"/>
               <a:t>Click to edit Master text styles</a:t>
             </a:r>
           </a:p>
@@ -2434,35 +2420,35 @@
           <a:p>
             <a:pPr lvl="0"/>
             <a:r>
-              <a:rPr lang="en-US" smtClean="0"/>
+              <a:rPr lang="en-US"/>
               <a:t>Click to edit Master text styles</a:t>
             </a:r>
           </a:p>
           <a:p>
             <a:pPr lvl="1"/>
             <a:r>
-              <a:rPr lang="en-US" smtClean="0"/>
+              <a:rPr lang="en-US"/>
               <a:t>Second level</a:t>
             </a:r>
           </a:p>
           <a:p>
             <a:pPr lvl="2"/>
             <a:r>
-              <a:rPr lang="en-US" smtClean="0"/>
+              <a:rPr lang="en-US"/>
               <a:t>Third level</a:t>
             </a:r>
           </a:p>
           <a:p>
             <a:pPr lvl="3"/>
             <a:r>
-              <a:rPr lang="en-US" smtClean="0"/>
+              <a:rPr lang="en-US"/>
               <a:t>Fourth level</a:t>
             </a:r>
           </a:p>
           <a:p>
             <a:pPr lvl="4"/>
             <a:r>
-              <a:rPr lang="en-US" smtClean="0"/>
+              <a:rPr lang="en-US"/>
               <a:t>Fifth level</a:t>
             </a:r>
             <a:endParaRPr lang="ru-RU" dirty="0"/>
@@ -2528,7 +2514,7 @@
           <a:p>
             <a:pPr lvl="0"/>
             <a:r>
-              <a:rPr lang="en-US" smtClean="0"/>
+              <a:rPr lang="en-US"/>
               <a:t>Click to edit Master text styles</a:t>
             </a:r>
           </a:p>
@@ -2584,35 +2570,35 @@
           <a:p>
             <a:pPr lvl="0"/>
             <a:r>
-              <a:rPr lang="en-US" smtClean="0"/>
+              <a:rPr lang="en-US"/>
               <a:t>Click to edit Master text styles</a:t>
             </a:r>
           </a:p>
           <a:p>
             <a:pPr lvl="1"/>
             <a:r>
-              <a:rPr lang="en-US" smtClean="0"/>
+              <a:rPr lang="en-US"/>
               <a:t>Second level</a:t>
             </a:r>
           </a:p>
           <a:p>
             <a:pPr lvl="2"/>
             <a:r>
-              <a:rPr lang="en-US" smtClean="0"/>
+              <a:rPr lang="en-US"/>
               <a:t>Third level</a:t>
             </a:r>
           </a:p>
           <a:p>
             <a:pPr lvl="3"/>
             <a:r>
-              <a:rPr lang="en-US" smtClean="0"/>
+              <a:rPr lang="en-US"/>
               <a:t>Fourth level</a:t>
             </a:r>
           </a:p>
           <a:p>
             <a:pPr lvl="4"/>
             <a:r>
-              <a:rPr lang="en-US" smtClean="0"/>
+              <a:rPr lang="en-US"/>
               <a:t>Fifth level</a:t>
             </a:r>
             <a:endParaRPr lang="ru-RU" dirty="0"/>
@@ -2665,7 +2651,7 @@
           <a:lstStyle/>
           <a:p>
             <a:r>
-              <a:rPr lang="en-US" smtClean="0"/>
+              <a:rPr lang="en-US"/>
               <a:t>Click to edit Master title style</a:t>
             </a:r>
             <a:endParaRPr lang="ru-RU" dirty="0"/>
@@ -2726,14 +2712,14 @@
           <a:p>
             <a:pPr algn="ctr"/>
             <a:r>
-              <a:rPr lang="ru-RU" sz="3200" dirty="0" smtClean="0"/>
+              <a:rPr lang="ru-RU" sz="3200" dirty="0"/>
               <a:t>Название.</a:t>
             </a:r>
             <a:r>
-              <a:rPr lang="ru-RU" sz="3200" baseline="0" dirty="0" smtClean="0"/>
+              <a:rPr lang="ru-RU" sz="3200" baseline="0" dirty="0"/>
               <a:t> Демонстрация.</a:t>
             </a:r>
-            <a:endParaRPr lang="ru-RU" sz="3200" dirty="0" smtClean="0"/>
+            <a:endParaRPr lang="ru-RU" sz="3200" dirty="0"/>
           </a:p>
         </p:txBody>
       </p:sp>
@@ -2837,7 +2823,7 @@
           <a:lstStyle/>
           <a:p>
             <a:r>
-              <a:rPr lang="en-US" smtClean="0"/>
+              <a:rPr lang="en-US"/>
               <a:t>Click to edit Master title style</a:t>
             </a:r>
             <a:endParaRPr lang="ru-RU"/>
@@ -2871,35 +2857,35 @@
           <a:p>
             <a:pPr lvl="0"/>
             <a:r>
-              <a:rPr lang="en-US" smtClean="0"/>
+              <a:rPr lang="en-US"/>
               <a:t>Click to edit Master text styles</a:t>
             </a:r>
           </a:p>
           <a:p>
             <a:pPr lvl="1"/>
             <a:r>
-              <a:rPr lang="en-US" smtClean="0"/>
+              <a:rPr lang="en-US"/>
               <a:t>Second level</a:t>
             </a:r>
           </a:p>
           <a:p>
             <a:pPr lvl="2"/>
             <a:r>
-              <a:rPr lang="en-US" smtClean="0"/>
+              <a:rPr lang="en-US"/>
               <a:t>Third level</a:t>
             </a:r>
           </a:p>
           <a:p>
             <a:pPr lvl="3"/>
             <a:r>
-              <a:rPr lang="en-US" smtClean="0"/>
+              <a:rPr lang="en-US"/>
               <a:t>Fourth level</a:t>
             </a:r>
           </a:p>
           <a:p>
             <a:pPr lvl="4"/>
             <a:r>
-              <a:rPr lang="en-US" smtClean="0"/>
+              <a:rPr lang="en-US"/>
               <a:t>Fifth level</a:t>
             </a:r>
             <a:endParaRPr lang="ru-RU"/>
@@ -2941,7 +2927,7 @@
           <a:p>
             <a:fld id="{AC3D3127-B7C4-45E3-9797-C527EC9FDD78}" type="datetimeFigureOut">
               <a:rPr lang="ru-RU" smtClean="0"/>
-              <a:t>29.10.2015</a:t>
+              <a:t>01.07.2018</a:t>
             </a:fld>
             <a:endParaRPr lang="ru-RU"/>
           </a:p>
@@ -3049,13 +3035,6 @@
     <p:sldLayoutId id="2147483659" r:id="rId13"/>
     <p:sldLayoutId id="2147483662" r:id="rId14"/>
   </p:sldLayoutIdLst>
-  <p:timing>
-    <p:tnLst>
-      <p:par>
-        <p:cTn id="1" dur="indefinite" restart="never" nodeType="tmRoot"/>
-      </p:par>
-    </p:tnLst>
-  </p:timing>
   <p:txStyles>
     <p:titleStyle>
       <a:lvl1pPr algn="ctr" defTabSz="914400" rtl="0" eaLnBrk="1" latinLnBrk="0" hangingPunct="1">
@@ -3335,7 +3314,7 @@
         <p:spPr>
           <a:xfrm>
             <a:off x="143508" y="1304764"/>
-            <a:ext cx="8856984" cy="646331"/>
+            <a:ext cx="8856984" cy="523220"/>
           </a:xfrm>
           <a:prstGeom prst="rect">
             <a:avLst/>
@@ -3349,7 +3328,7 @@
           <a:p>
             <a:pPr algn="ctr"/>
             <a:r>
-              <a:rPr lang="ru-RU" sz="3600" b="1" i="1" dirty="0" smtClean="0">
+              <a:rPr lang="ru-RU" sz="2800" i="1" dirty="0">
                 <a:solidFill>
                   <a:schemeClr val="bg1"/>
                 </a:solidFill>
@@ -3357,14 +3336,14 @@
               <a:t>Основы программирования на </a:t>
             </a:r>
             <a:r>
-              <a:rPr lang="en-US" sz="3600" b="1" i="1" dirty="0" smtClean="0">
+              <a:rPr lang="en-US" sz="2800" i="1" dirty="0">
                 <a:solidFill>
                   <a:schemeClr val="bg1"/>
                 </a:solidFill>
               </a:rPr>
               <a:t>C#</a:t>
             </a:r>
-            <a:endParaRPr lang="ru-RU" sz="3600" b="1" i="1" dirty="0">
+            <a:endParaRPr lang="ru-RU" sz="2800" i="1" dirty="0">
               <a:solidFill>
                 <a:schemeClr val="bg1"/>
               </a:solidFill>
@@ -3372,70 +3351,6 @@
           </a:p>
         </p:txBody>
       </p:sp>
-      <p:pic>
-        <p:nvPicPr>
-          <p:cNvPr id="6" name="Picture 5"/>
-          <p:cNvPicPr>
-            <a:picLocks noChangeAspect="1" noChangeArrowheads="1"/>
-          </p:cNvPicPr>
-          <p:nvPr/>
-        </p:nvPicPr>
-        <p:blipFill>
-          <a:blip r:embed="rId2">
-            <a:extLst>
-              <a:ext uri="{28A0092B-C50C-407E-A947-70E740481C1C}">
-                <a14:useLocalDpi xmlns:a14="http://schemas.microsoft.com/office/drawing/2010/main" val="0"/>
-              </a:ext>
-            </a:extLst>
-          </a:blip>
-          <a:srcRect/>
-          <a:stretch>
-            <a:fillRect/>
-          </a:stretch>
-        </p:blipFill>
-        <p:spPr bwMode="auto">
-          <a:xfrm>
-            <a:off x="1638300" y="3829211"/>
-            <a:ext cx="5867400" cy="1724025"/>
-          </a:xfrm>
-          <a:prstGeom prst="rect">
-            <a:avLst/>
-          </a:prstGeom>
-          <a:noFill/>
-          <a:ln>
-            <a:noFill/>
-          </a:ln>
-          <a:effectLst/>
-          <a:extLst>
-            <a:ext uri="{909E8E84-426E-40DD-AFC4-6F175D3DCCD1}">
-              <a14:hiddenFill xmlns:a14="http://schemas.microsoft.com/office/drawing/2010/main">
-                <a:solidFill>
-                  <a:schemeClr val="accent1"/>
-                </a:solidFill>
-              </a14:hiddenFill>
-            </a:ext>
-            <a:ext uri="{91240B29-F687-4F45-9708-019B960494DF}">
-              <a14:hiddenLine xmlns:a14="http://schemas.microsoft.com/office/drawing/2010/main" w="9525">
-                <a:solidFill>
-                  <a:schemeClr val="tx1"/>
-                </a:solidFill>
-                <a:miter lim="800000"/>
-                <a:headEnd/>
-                <a:tailEnd/>
-              </a14:hiddenLine>
-            </a:ext>
-            <a:ext uri="{AF507438-7753-43E0-B8FC-AC1667EBCBE1}">
-              <a14:hiddenEffects xmlns:a14="http://schemas.microsoft.com/office/drawing/2010/main">
-                <a:effectLst>
-                  <a:outerShdw dist="35921" dir="2700000" algn="ctr" rotWithShape="0">
-                    <a:schemeClr val="bg2"/>
-                  </a:outerShdw>
-                </a:effectLst>
-              </a14:hiddenEffects>
-            </a:ext>
-          </a:extLst>
-        </p:spPr>
-      </p:pic>
       <p:sp>
         <p:nvSpPr>
           <p:cNvPr id="7" name="TextBox 6"/>
@@ -3445,7 +3360,7 @@
         <p:spPr>
           <a:xfrm>
             <a:off x="143508" y="2528900"/>
-            <a:ext cx="8856984" cy="461665"/>
+            <a:ext cx="8856984" cy="1200329"/>
           </a:xfrm>
           <a:prstGeom prst="rect">
             <a:avLst/>
@@ -3460,17 +3375,142 @@
           <a:p>
             <a:pPr algn="ctr"/>
             <a:r>
-              <a:rPr lang="ru-RU" sz="2400" dirty="0" smtClean="0">
+              <a:rPr lang="en-US" sz="3600" b="1" dirty="0">
                 <a:solidFill>
                   <a:schemeClr val="bg1"/>
                 </a:solidFill>
+                <a:latin typeface="Footlight MT Light" panose="0204060206030A020304" pitchFamily="18" charset="77"/>
               </a:rPr>
-              <a:t>Краткий справочник по стандартной библиотеке классов</a:t>
-            </a:r>
-            <a:endParaRPr lang="en-US" sz="2400" dirty="0">
+              <a:t>§ </a:t>
+            </a:r>
+            <a:r>
+              <a:rPr lang="ru-RU" sz="3600" b="1" dirty="0">
+                <a:solidFill>
+                  <a:schemeClr val="bg1"/>
+                </a:solidFill>
+                <a:latin typeface="Footlight MT Light" panose="0204060206030A020304" pitchFamily="18" charset="77"/>
+              </a:rPr>
+              <a:t>Краткий справочник по библиотеке классов</a:t>
+            </a:r>
+            <a:endParaRPr lang="en-US" sz="3600" b="1" dirty="0">
               <a:solidFill>
                 <a:schemeClr val="bg1"/>
               </a:solidFill>
+              <a:latin typeface="Footlight MT Light" panose="0204060206030A020304" pitchFamily="18" charset="77"/>
+            </a:endParaRPr>
+          </a:p>
+        </p:txBody>
+      </p:sp>
+      <p:sp>
+        <p:nvSpPr>
+          <p:cNvPr id="8" name="TextBox 7">
+            <a:extLst>
+              <a:ext uri="{FF2B5EF4-FFF2-40B4-BE49-F238E27FC236}">
+                <a16:creationId xmlns:a16="http://schemas.microsoft.com/office/drawing/2014/main" id="{15D31526-2CF7-F543-9AB0-2E63E6C4D03D}"/>
+              </a:ext>
+            </a:extLst>
+          </p:cNvPr>
+          <p:cNvSpPr txBox="1"/>
+          <p:nvPr/>
+        </p:nvSpPr>
+        <p:spPr>
+          <a:xfrm>
+            <a:off x="2339752" y="4984720"/>
+            <a:ext cx="4464496" cy="1138773"/>
+          </a:xfrm>
+          <a:prstGeom prst="rect">
+            <a:avLst/>
+          </a:prstGeom>
+          <a:noFill/>
+        </p:spPr>
+        <p:txBody>
+          <a:bodyPr wrap="square" rtlCol="0">
+            <a:spAutoFit/>
+          </a:bodyPr>
+          <a:lstStyle/>
+          <a:p>
+            <a:r>
+              <a:rPr lang="ru-RU" sz="2000" dirty="0">
+                <a:solidFill>
+                  <a:schemeClr val="bg1"/>
+                </a:solidFill>
+                <a:effectLst>
+                  <a:outerShdw blurRad="50800" dist="38100" dir="5400000" algn="t" rotWithShape="0">
+                    <a:prstClr val="black">
+                      <a:alpha val="40000"/>
+                    </a:prstClr>
+                  </a:outerShdw>
+                </a:effectLst>
+                <a:latin typeface="Segoe Print" panose="02000800000000000000" pitchFamily="2" charset="0"/>
+              </a:rPr>
+              <a:t>Центр Обучающих Технологий</a:t>
+            </a:r>
+          </a:p>
+          <a:p>
+            <a:pPr algn="ctr"/>
+            <a:r>
+              <a:rPr lang="ru-RU" sz="1600" dirty="0">
+                <a:solidFill>
+                  <a:schemeClr val="bg1"/>
+                </a:solidFill>
+                <a:effectLst>
+                  <a:outerShdw blurRad="50800" dist="38100" dir="5400000" algn="t" rotWithShape="0">
+                    <a:prstClr val="black">
+                      <a:alpha val="40000"/>
+                    </a:prstClr>
+                  </a:outerShdw>
+                </a:effectLst>
+                <a:latin typeface="Segoe Print" panose="02000800000000000000" pitchFamily="2" charset="0"/>
+              </a:rPr>
+              <a:t>основан в 2002 году</a:t>
+            </a:r>
+          </a:p>
+          <a:p>
+            <a:pPr algn="ctr"/>
+            <a:endParaRPr lang="ru-RU" sz="1600" dirty="0">
+              <a:solidFill>
+                <a:schemeClr val="bg1"/>
+              </a:solidFill>
+              <a:effectLst>
+                <a:outerShdw blurRad="50800" dist="38100" dir="5400000" algn="t" rotWithShape="0">
+                  <a:prstClr val="black">
+                    <a:alpha val="40000"/>
+                  </a:prstClr>
+                </a:outerShdw>
+              </a:effectLst>
+              <a:latin typeface="Segoe Print" panose="02000800000000000000" pitchFamily="2" charset="0"/>
+            </a:endParaRPr>
+          </a:p>
+          <a:p>
+            <a:pPr algn="ctr"/>
+            <a:r>
+              <a:rPr lang="en-US" sz="1600" dirty="0" err="1">
+                <a:solidFill>
+                  <a:schemeClr val="bg1"/>
+                </a:solidFill>
+                <a:effectLst>
+                  <a:outerShdw blurRad="50800" dist="38100" dir="5400000" algn="t" rotWithShape="0">
+                    <a:prstClr val="black">
+                      <a:alpha val="40000"/>
+                    </a:prstClr>
+                  </a:outerShdw>
+                </a:effectLst>
+                <a:latin typeface="Segoe Print" panose="02000800000000000000" pitchFamily="2" charset="0"/>
+              </a:rPr>
+              <a:t>trainingcenter.by</a:t>
+            </a:r>
+            <a:endParaRPr lang="en-US" sz="1600" dirty="0">
+              <a:solidFill>
+                <a:schemeClr val="bg1"/>
+              </a:solidFill>
+              <a:effectLst>
+                <a:outerShdw blurRad="50800" dist="38100" dir="5400000" algn="t" rotWithShape="0">
+                  <a:prstClr val="black">
+                    <a:alpha val="40000"/>
+                  </a:prstClr>
+                </a:outerShdw>
+              </a:effectLst>
+              <a:latin typeface="Segoe Print" panose="02000800000000000000" pitchFamily="2" charset="0"/>
             </a:endParaRPr>
           </a:p>
         </p:txBody>
@@ -3485,13 +3525,6 @@
   <p:clrMapOvr>
     <a:masterClrMapping/>
   </p:clrMapOvr>
-  <p:timing>
-    <p:tnLst>
-      <p:par>
-        <p:cTn id="1" dur="indefinite" restart="never" nodeType="tmRoot"/>
-      </p:par>
-    </p:tnLst>
-  </p:timing>
 </p:sld>
 </file>
 
@@ -3528,7 +3561,7 @@
           <a:lstStyle/>
           <a:p>
             <a:r>
-              <a:rPr lang="en-US" dirty="0" err="1" smtClean="0"/>
+              <a:rPr lang="en-US" dirty="0" err="1"/>
               <a:t>System.Management</a:t>
             </a:r>
             <a:endParaRPr lang="ru-RU" dirty="0"/>
@@ -3554,19 +3587,19 @@
               <a:buNone/>
             </a:pPr>
             <a:r>
-              <a:rPr lang="ru-RU" dirty="0" smtClean="0"/>
+              <a:rPr lang="ru-RU" dirty="0"/>
               <a:t>Работа с </a:t>
             </a:r>
             <a:r>
-              <a:rPr lang="en-US" dirty="0" smtClean="0"/>
+              <a:rPr lang="en-US" dirty="0"/>
               <a:t>WMI </a:t>
             </a:r>
             <a:r>
-              <a:rPr lang="ru-RU" dirty="0" smtClean="0"/>
+              <a:rPr lang="ru-RU" dirty="0"/>
               <a:t>(</a:t>
             </a:r>
             <a:r>
-              <a:rPr lang="en-US" dirty="0" smtClean="0"/>
+              <a:rPr lang="en-US" dirty="0"/>
               <a:t>Windows Management Instrumentation)</a:t>
             </a:r>
             <a:endParaRPr lang="ru-RU" dirty="0"/>
@@ -3642,39 +3675,39 @@
           <a:lstStyle/>
           <a:p>
             <a:r>
-              <a:rPr lang="en-US" dirty="0" err="1" smtClean="0"/>
+              <a:rPr lang="en-US" dirty="0" err="1"/>
               <a:t>System.Net</a:t>
             </a:r>
-            <a:endParaRPr lang="en-US" dirty="0" smtClean="0"/>
-          </a:p>
-          <a:p>
-            <a:r>
-              <a:rPr lang="en-US" dirty="0" err="1" smtClean="0"/>
+            <a:endParaRPr lang="en-US" dirty="0"/>
+          </a:p>
+          <a:p>
+            <a:r>
+              <a:rPr lang="en-US" dirty="0" err="1"/>
               <a:t>System.Net.Cache</a:t>
             </a:r>
-            <a:endParaRPr lang="en-US" dirty="0" smtClean="0"/>
-          </a:p>
-          <a:p>
-            <a:r>
-              <a:rPr lang="en-US" dirty="0" err="1" smtClean="0"/>
+            <a:endParaRPr lang="en-US" dirty="0"/>
+          </a:p>
+          <a:p>
+            <a:r>
+              <a:rPr lang="en-US" dirty="0" err="1"/>
               <a:t>System.Net.Mail</a:t>
             </a:r>
-            <a:endParaRPr lang="en-US" dirty="0" smtClean="0"/>
-          </a:p>
-          <a:p>
-            <a:r>
-              <a:rPr lang="en-US" dirty="0" err="1" smtClean="0"/>
+            <a:endParaRPr lang="en-US" dirty="0"/>
+          </a:p>
+          <a:p>
+            <a:r>
+              <a:rPr lang="en-US" dirty="0" err="1"/>
               <a:t>System.Net.NetworkInformation</a:t>
             </a:r>
-            <a:endParaRPr lang="en-US" dirty="0" smtClean="0"/>
-          </a:p>
-          <a:p>
-            <a:r>
-              <a:rPr lang="en-US" dirty="0" err="1" smtClean="0"/>
+            <a:endParaRPr lang="en-US" dirty="0"/>
+          </a:p>
+          <a:p>
+            <a:r>
+              <a:rPr lang="en-US" dirty="0" err="1"/>
               <a:t>System.Net.Sockets</a:t>
             </a:r>
             <a:r>
-              <a:rPr lang="en-US" dirty="0" smtClean="0"/>
+              <a:rPr lang="en-US" dirty="0"/>
               <a:t>, </a:t>
             </a:r>
             <a:r>
@@ -3754,17 +3787,17 @@
           <a:lstStyle/>
           <a:p>
             <a:r>
-              <a:rPr lang="en-US" dirty="0" err="1" smtClean="0"/>
+              <a:rPr lang="en-US" dirty="0" err="1"/>
               <a:t>System.Reflection</a:t>
             </a:r>
-            <a:endParaRPr lang="en-US" dirty="0" smtClean="0"/>
-          </a:p>
-          <a:p>
-            <a:r>
-              <a:rPr lang="en-US" dirty="0" err="1" smtClean="0"/>
+            <a:endParaRPr lang="en-US" dirty="0"/>
+          </a:p>
+          <a:p>
+            <a:r>
+              <a:rPr lang="en-US" dirty="0" err="1"/>
               <a:t>System.Reflection.Emit</a:t>
             </a:r>
-            <a:endParaRPr lang="en-US" dirty="0" smtClean="0"/>
+            <a:endParaRPr lang="en-US" dirty="0"/>
           </a:p>
           <a:p>
             <a:endParaRPr lang="ru-RU" dirty="0"/>
@@ -3912,31 +3945,31 @@
           <a:lstStyle/>
           <a:p>
             <a:r>
-              <a:rPr lang="en-US" dirty="0" err="1" smtClean="0"/>
+              <a:rPr lang="en-US" dirty="0" err="1"/>
               <a:t>System.Runtime.CompilerServices</a:t>
             </a:r>
-            <a:endParaRPr lang="en-US" dirty="0" smtClean="0"/>
-          </a:p>
-          <a:p>
-            <a:r>
-              <a:rPr lang="en-US" dirty="0" err="1" smtClean="0"/>
+            <a:endParaRPr lang="en-US" dirty="0"/>
+          </a:p>
+          <a:p>
+            <a:r>
+              <a:rPr lang="en-US" dirty="0" err="1"/>
               <a:t>System.Runtime.InteropServices</a:t>
             </a:r>
-            <a:endParaRPr lang="en-US" dirty="0" smtClean="0"/>
-          </a:p>
-          <a:p>
-            <a:r>
-              <a:rPr lang="en-US" dirty="0" err="1" smtClean="0"/>
+            <a:endParaRPr lang="en-US" dirty="0"/>
+          </a:p>
+          <a:p>
+            <a:r>
+              <a:rPr lang="en-US" dirty="0" err="1"/>
               <a:t>System.Runtime.Remoting</a:t>
             </a:r>
-            <a:endParaRPr lang="en-US" dirty="0" smtClean="0"/>
-          </a:p>
-          <a:p>
-            <a:r>
-              <a:rPr lang="en-US" dirty="0" err="1" smtClean="0"/>
+            <a:endParaRPr lang="en-US" dirty="0"/>
+          </a:p>
+          <a:p>
+            <a:r>
+              <a:rPr lang="en-US" dirty="0" err="1"/>
               <a:t>System.Runtime.Serialization</a:t>
             </a:r>
-            <a:endParaRPr lang="en-US" dirty="0" smtClean="0"/>
+            <a:endParaRPr lang="en-US" dirty="0"/>
           </a:p>
           <a:p>
             <a:endParaRPr lang="ru-RU" dirty="0"/>
@@ -4012,17 +4045,17 @@
           <a:lstStyle/>
           <a:p>
             <a:r>
-              <a:rPr lang="en-US" dirty="0" err="1" smtClean="0"/>
+              <a:rPr lang="en-US" dirty="0" err="1"/>
               <a:t>System.Security</a:t>
             </a:r>
-            <a:endParaRPr lang="en-US" dirty="0" smtClean="0"/>
-          </a:p>
-          <a:p>
-            <a:r>
-              <a:rPr lang="en-US" dirty="0" err="1" smtClean="0"/>
+            <a:endParaRPr lang="en-US" dirty="0"/>
+          </a:p>
+          <a:p>
+            <a:r>
+              <a:rPr lang="en-US" dirty="0" err="1"/>
               <a:t>System.Security.Cryptography</a:t>
             </a:r>
-            <a:endParaRPr lang="en-US" dirty="0" smtClean="0"/>
+            <a:endParaRPr lang="en-US" dirty="0"/>
           </a:p>
           <a:p>
             <a:endParaRPr lang="ru-RU" dirty="0"/>
@@ -4075,7 +4108,7 @@
           <a:lstStyle/>
           <a:p>
             <a:r>
-              <a:rPr lang="en-US" dirty="0" err="1" smtClean="0"/>
+              <a:rPr lang="en-US" dirty="0" err="1"/>
               <a:t>System.Text</a:t>
             </a:r>
             <a:endParaRPr lang="ru-RU" dirty="0"/>
@@ -4098,30 +4131,30 @@
           <a:lstStyle/>
           <a:p>
             <a:r>
-              <a:rPr lang="en-US" dirty="0" err="1" smtClean="0"/>
+              <a:rPr lang="en-US" dirty="0" err="1"/>
               <a:t>System.Text</a:t>
             </a:r>
-            <a:endParaRPr lang="en-US" dirty="0" smtClean="0"/>
+            <a:endParaRPr lang="en-US" dirty="0"/>
           </a:p>
           <a:p>
             <a:pPr lvl="1"/>
             <a:r>
-              <a:rPr lang="en-US" dirty="0" err="1" smtClean="0"/>
+              <a:rPr lang="en-US" dirty="0" err="1"/>
               <a:t>StringBuilder</a:t>
             </a:r>
-            <a:endParaRPr lang="en-US" dirty="0" smtClean="0"/>
-          </a:p>
-          <a:p>
-            <a:r>
-              <a:rPr lang="en-US" dirty="0" err="1" smtClean="0"/>
+            <a:endParaRPr lang="en-US" dirty="0"/>
+          </a:p>
+          <a:p>
+            <a:r>
+              <a:rPr lang="en-US" dirty="0" err="1"/>
               <a:t>System.Text.RegularExpressions</a:t>
             </a:r>
-            <a:endParaRPr lang="en-US" dirty="0" smtClean="0"/>
+            <a:endParaRPr lang="en-US" dirty="0"/>
           </a:p>
           <a:p>
             <a:pPr lvl="1"/>
             <a:r>
-              <a:rPr lang="en-US" dirty="0" smtClean="0"/>
+              <a:rPr lang="en-US" dirty="0"/>
               <a:t>Regex</a:t>
             </a:r>
             <a:endParaRPr lang="ru-RU" dirty="0"/>
@@ -4197,38 +4230,38 @@
           <a:lstStyle/>
           <a:p>
             <a:r>
-              <a:rPr lang="en-US" dirty="0" err="1" smtClean="0"/>
+              <a:rPr lang="en-US" dirty="0" err="1"/>
               <a:t>System.Threading</a:t>
             </a:r>
-            <a:endParaRPr lang="en-US" dirty="0" smtClean="0"/>
+            <a:endParaRPr lang="en-US" dirty="0"/>
           </a:p>
           <a:p>
             <a:pPr lvl="1"/>
             <a:r>
-              <a:rPr lang="en-US" dirty="0" smtClean="0"/>
+              <a:rPr lang="en-US" dirty="0"/>
               <a:t>Thread, </a:t>
             </a:r>
             <a:r>
-              <a:rPr lang="en-US" dirty="0" err="1" smtClean="0"/>
+              <a:rPr lang="en-US" dirty="0" err="1"/>
               <a:t>ThreadPool</a:t>
             </a:r>
-            <a:endParaRPr lang="en-US" dirty="0" smtClean="0"/>
-          </a:p>
-          <a:p>
-            <a:r>
-              <a:rPr lang="en-US" dirty="0" err="1" smtClean="0"/>
+            <a:endParaRPr lang="en-US" dirty="0"/>
+          </a:p>
+          <a:p>
+            <a:r>
+              <a:rPr lang="en-US" dirty="0" err="1"/>
               <a:t>System.Threading.Tasks</a:t>
             </a:r>
-            <a:endParaRPr lang="en-US" dirty="0" smtClean="0"/>
+            <a:endParaRPr lang="en-US" dirty="0"/>
           </a:p>
           <a:p>
             <a:pPr lvl="1"/>
             <a:r>
-              <a:rPr lang="en-US" dirty="0" smtClean="0"/>
+              <a:rPr lang="en-US" dirty="0"/>
               <a:t>Task, </a:t>
             </a:r>
             <a:r>
-              <a:rPr lang="en-US" dirty="0" err="1" smtClean="0"/>
+              <a:rPr lang="en-US" dirty="0" err="1"/>
               <a:t>TaskFactory</a:t>
             </a:r>
             <a:endParaRPr lang="ru-RU" dirty="0"/>
@@ -4383,7 +4416,7 @@
               <a:buNone/>
             </a:pPr>
             <a:r>
-              <a:rPr lang="ru-RU" dirty="0" smtClean="0"/>
+              <a:rPr lang="ru-RU" dirty="0"/>
               <a:t>Типы относящиеся к </a:t>
             </a:r>
             <a:r>
@@ -4391,10 +4424,9 @@
               <a:t>ASP.NET </a:t>
             </a:r>
             <a:r>
-              <a:rPr lang="ru-RU" dirty="0" smtClean="0"/>
+              <a:rPr lang="ru-RU" dirty="0"/>
               <a:t>- технологии разработки веб приложений</a:t>
             </a:r>
-            <a:endParaRPr lang="ru-RU" dirty="0"/>
           </a:p>
         </p:txBody>
       </p:sp>
@@ -4444,7 +4476,7 @@
           <a:lstStyle/>
           <a:p>
             <a:r>
-              <a:rPr lang="en-US" dirty="0" smtClean="0"/>
+              <a:rPr lang="en-US" dirty="0"/>
               <a:t>System</a:t>
             </a:r>
             <a:endParaRPr lang="ru-RU" dirty="0"/>
@@ -4467,29 +4499,29 @@
           <a:lstStyle/>
           <a:p>
             <a:r>
-              <a:rPr lang="en-US" dirty="0" smtClean="0"/>
+              <a:rPr lang="en-US" dirty="0"/>
               <a:t>Int32, Int64, Double, Object, Array</a:t>
             </a:r>
           </a:p>
           <a:p>
             <a:r>
-              <a:rPr lang="en-US" dirty="0" err="1" smtClean="0"/>
+              <a:rPr lang="en-US" dirty="0" err="1"/>
               <a:t>DateTime</a:t>
             </a:r>
             <a:r>
-              <a:rPr lang="en-US" dirty="0" smtClean="0"/>
+              <a:rPr lang="en-US" dirty="0"/>
               <a:t>, </a:t>
             </a:r>
             <a:r>
-              <a:rPr lang="en-US" dirty="0" err="1" smtClean="0"/>
+              <a:rPr lang="en-US" dirty="0" err="1"/>
               <a:t>TimeSpan</a:t>
             </a:r>
             <a:r>
-              <a:rPr lang="en-US" dirty="0" smtClean="0"/>
+              <a:rPr lang="en-US" dirty="0"/>
               <a:t>, </a:t>
             </a:r>
             <a:r>
-              <a:rPr lang="en-US" dirty="0" err="1" smtClean="0"/>
+              <a:rPr lang="en-US" dirty="0" err="1"/>
               <a:t>DateTimeOffset</a:t>
             </a:r>
             <a:endParaRPr lang="ru-RU" dirty="0"/>
@@ -4614,7 +4646,7 @@
           <a:lstStyle/>
           <a:p>
             <a:r>
-              <a:rPr lang="en-US" dirty="0" err="1" smtClean="0"/>
+              <a:rPr lang="en-US" dirty="0" err="1"/>
               <a:t>System.Windows.Forms</a:t>
             </a:r>
             <a:endParaRPr lang="ru-RU" dirty="0"/>
@@ -4709,31 +4741,31 @@
           <a:lstStyle/>
           <a:p>
             <a:r>
-              <a:rPr lang="en-US" dirty="0" err="1" smtClean="0"/>
+              <a:rPr lang="en-US" dirty="0" err="1"/>
               <a:t>System.Xml</a:t>
             </a:r>
-            <a:endParaRPr lang="en-US" dirty="0" smtClean="0"/>
-          </a:p>
-          <a:p>
-            <a:r>
-              <a:rPr lang="en-US" dirty="0" err="1" smtClean="0"/>
+            <a:endParaRPr lang="en-US" dirty="0"/>
+          </a:p>
+          <a:p>
+            <a:r>
+              <a:rPr lang="en-US" dirty="0" err="1"/>
               <a:t>System.Xml.Linq</a:t>
             </a:r>
-            <a:endParaRPr lang="en-US" dirty="0" smtClean="0"/>
-          </a:p>
-          <a:p>
-            <a:r>
-              <a:rPr lang="en-US" dirty="0" err="1" smtClean="0"/>
+            <a:endParaRPr lang="en-US" dirty="0"/>
+          </a:p>
+          <a:p>
+            <a:r>
+              <a:rPr lang="en-US" dirty="0" err="1"/>
               <a:t>System.Xml.Serialization</a:t>
             </a:r>
-            <a:endParaRPr lang="en-US" dirty="0" smtClean="0"/>
-          </a:p>
-          <a:p>
-            <a:r>
-              <a:rPr lang="en-US" dirty="0" err="1" smtClean="0"/>
+            <a:endParaRPr lang="en-US" dirty="0"/>
+          </a:p>
+          <a:p>
+            <a:r>
+              <a:rPr lang="en-US" dirty="0" err="1"/>
               <a:t>System.Xml.XPath</a:t>
             </a:r>
-            <a:endParaRPr lang="en-US" dirty="0" smtClean="0"/>
+            <a:endParaRPr lang="en-US" dirty="0"/>
           </a:p>
           <a:p>
             <a:r>
@@ -4790,7 +4822,7 @@
           <a:lstStyle/>
           <a:p>
             <a:r>
-              <a:rPr lang="en-US" dirty="0" smtClean="0"/>
+              <a:rPr lang="en-US" dirty="0"/>
               <a:t>Microsoft.Win32</a:t>
             </a:r>
             <a:endParaRPr lang="ru-RU" dirty="0"/>
@@ -4813,28 +4845,24 @@
           <a:lstStyle/>
           <a:p>
             <a:r>
-              <a:rPr lang="en-US" dirty="0" smtClean="0"/>
+              <a:rPr lang="en-US" dirty="0"/>
               <a:t>Registry, </a:t>
             </a:r>
             <a:r>
-              <a:rPr lang="en-US" dirty="0" err="1" smtClean="0"/>
+              <a:rPr lang="en-US" dirty="0" err="1"/>
               <a:t>RegistryHive</a:t>
             </a:r>
             <a:r>
-              <a:rPr lang="en-US" dirty="0" smtClean="0"/>
+              <a:rPr lang="en-US" dirty="0"/>
               <a:t>, </a:t>
             </a:r>
             <a:r>
-              <a:rPr lang="en-US" dirty="0" err="1" smtClean="0"/>
+              <a:rPr lang="en-US" dirty="0" err="1"/>
               <a:t>RegistryKey</a:t>
             </a:r>
             <a:r>
               <a:rPr lang="en-US" dirty="0"/>
-              <a:t>,</a:t>
-            </a:r>
-            <a:r>
-              <a:rPr lang="en-US" dirty="0" smtClean="0"/>
-              <a:t> </a:t>
+              <a:t>, </a:t>
             </a:r>
             <a:r>
               <a:rPr lang="en-US" dirty="0" err="1"/>
@@ -4913,38 +4941,38 @@
           <a:lstStyle/>
           <a:p>
             <a:r>
-              <a:rPr lang="en-US" dirty="0" err="1" smtClean="0"/>
+              <a:rPr lang="en-US" dirty="0" err="1"/>
               <a:t>System.Collections</a:t>
             </a:r>
-            <a:endParaRPr lang="en-US" dirty="0" smtClean="0"/>
-          </a:p>
-          <a:p>
-            <a:r>
-              <a:rPr lang="en-US" dirty="0" err="1" smtClean="0"/>
+            <a:endParaRPr lang="en-US" dirty="0"/>
+          </a:p>
+          <a:p>
+            <a:r>
+              <a:rPr lang="en-US" dirty="0" err="1"/>
               <a:t>System.Collections.Concurrent</a:t>
             </a:r>
-            <a:endParaRPr lang="en-US" dirty="0" smtClean="0"/>
-          </a:p>
-          <a:p>
-            <a:r>
-              <a:rPr lang="en-US" dirty="0" err="1" smtClean="0"/>
+            <a:endParaRPr lang="en-US" dirty="0"/>
+          </a:p>
+          <a:p>
+            <a:r>
+              <a:rPr lang="en-US" dirty="0" err="1"/>
               <a:t>System.Collections.Generic</a:t>
             </a:r>
-            <a:endParaRPr lang="en-US" dirty="0" smtClean="0"/>
-          </a:p>
-          <a:p>
-            <a:r>
-              <a:rPr lang="en-US" dirty="0" err="1" smtClean="0"/>
+            <a:endParaRPr lang="en-US" dirty="0"/>
+          </a:p>
+          <a:p>
+            <a:r>
+              <a:rPr lang="en-US" dirty="0" err="1"/>
               <a:t>System.Collections.ObjectModel</a:t>
             </a:r>
-            <a:endParaRPr lang="en-US" dirty="0" smtClean="0"/>
-          </a:p>
-          <a:p>
-            <a:r>
-              <a:rPr lang="en-US" dirty="0" err="1" smtClean="0"/>
+            <a:endParaRPr lang="en-US" dirty="0"/>
+          </a:p>
+          <a:p>
+            <a:r>
+              <a:rPr lang="en-US" dirty="0" err="1"/>
               <a:t>System.Collections.Specialized</a:t>
             </a:r>
-            <a:endParaRPr lang="en-US" dirty="0" smtClean="0"/>
+            <a:endParaRPr lang="en-US" dirty="0"/>
           </a:p>
           <a:p>
             <a:endParaRPr lang="ru-RU" dirty="0"/>
@@ -4997,7 +5025,7 @@
           <a:lstStyle/>
           <a:p>
             <a:r>
-              <a:rPr lang="en-US" dirty="0" err="1" smtClean="0"/>
+              <a:rPr lang="en-US" dirty="0" err="1"/>
               <a:t>System.Configuration</a:t>
             </a:r>
             <a:endParaRPr lang="ru-RU" dirty="0"/>
@@ -5069,7 +5097,7 @@
           <a:lstStyle/>
           <a:p>
             <a:r>
-              <a:rPr lang="en-US" dirty="0" err="1" smtClean="0"/>
+              <a:rPr lang="en-US" dirty="0" err="1"/>
               <a:t>System.Data</a:t>
             </a:r>
             <a:endParaRPr lang="ru-RU" dirty="0"/>
@@ -5094,82 +5122,82 @@
           <a:lstStyle/>
           <a:p>
             <a:r>
-              <a:rPr lang="en-US" dirty="0" err="1" smtClean="0"/>
+              <a:rPr lang="en-US" dirty="0" err="1"/>
               <a:t>System.Data</a:t>
             </a:r>
-            <a:endParaRPr lang="en-US" dirty="0" smtClean="0"/>
+            <a:endParaRPr lang="en-US" dirty="0"/>
           </a:p>
           <a:p>
             <a:pPr lvl="1"/>
             <a:r>
-              <a:rPr lang="en-US" dirty="0" err="1" smtClean="0"/>
+              <a:rPr lang="en-US" dirty="0" err="1"/>
               <a:t>DataSet</a:t>
             </a:r>
             <a:r>
-              <a:rPr lang="en-US" dirty="0" smtClean="0"/>
+              <a:rPr lang="en-US" dirty="0"/>
               <a:t>, </a:t>
             </a:r>
             <a:r>
-              <a:rPr lang="en-US" dirty="0" err="1" smtClean="0"/>
+              <a:rPr lang="en-US" dirty="0" err="1"/>
               <a:t>DataTable</a:t>
             </a:r>
             <a:r>
-              <a:rPr lang="en-US" dirty="0" smtClean="0"/>
+              <a:rPr lang="en-US" dirty="0"/>
               <a:t>, </a:t>
             </a:r>
             <a:r>
-              <a:rPr lang="en-US" dirty="0" err="1" smtClean="0"/>
+              <a:rPr lang="en-US" dirty="0" err="1"/>
               <a:t>DataColumn</a:t>
             </a:r>
             <a:r>
-              <a:rPr lang="en-US" dirty="0" smtClean="0"/>
+              <a:rPr lang="en-US" dirty="0"/>
               <a:t>, ...</a:t>
             </a:r>
           </a:p>
           <a:p>
             <a:r>
-              <a:rPr lang="en-US" dirty="0" err="1" smtClean="0"/>
+              <a:rPr lang="en-US" dirty="0" err="1"/>
               <a:t>System.Data.Common</a:t>
             </a:r>
-            <a:endParaRPr lang="en-US" dirty="0" smtClean="0"/>
-          </a:p>
-          <a:p>
-            <a:r>
-              <a:rPr lang="en-US" dirty="0" err="1" smtClean="0"/>
+            <a:endParaRPr lang="en-US" dirty="0"/>
+          </a:p>
+          <a:p>
+            <a:r>
+              <a:rPr lang="en-US" dirty="0" err="1"/>
               <a:t>System.Data.Entity</a:t>
             </a:r>
-            <a:endParaRPr lang="en-US" dirty="0" smtClean="0"/>
-          </a:p>
-          <a:p>
-            <a:r>
-              <a:rPr lang="en-US" dirty="0" err="1" smtClean="0"/>
+            <a:endParaRPr lang="en-US" dirty="0"/>
+          </a:p>
+          <a:p>
+            <a:r>
+              <a:rPr lang="en-US" dirty="0" err="1"/>
               <a:t>System.Data.Linq</a:t>
             </a:r>
-            <a:endParaRPr lang="en-US" dirty="0" smtClean="0"/>
-          </a:p>
-          <a:p>
-            <a:r>
-              <a:rPr lang="en-US" dirty="0" err="1" smtClean="0"/>
+            <a:endParaRPr lang="en-US" dirty="0"/>
+          </a:p>
+          <a:p>
+            <a:r>
+              <a:rPr lang="en-US" dirty="0" err="1"/>
               <a:t>System.Data.Odbc</a:t>
             </a:r>
             <a:endParaRPr lang="en-US" dirty="0"/>
           </a:p>
           <a:p>
             <a:r>
-              <a:rPr lang="en-US" dirty="0" err="1" smtClean="0"/>
+              <a:rPr lang="en-US" dirty="0" err="1"/>
               <a:t>System.Data.OleDb</a:t>
             </a:r>
-            <a:endParaRPr lang="en-US" dirty="0" smtClean="0"/>
+            <a:endParaRPr lang="en-US" dirty="0"/>
           </a:p>
           <a:p>
             <a:r>
               <a:rPr lang="en-US" dirty="0" err="1"/>
               <a:t>System.Data.SqlClient</a:t>
             </a:r>
-            <a:endParaRPr lang="en-US" dirty="0" smtClean="0"/>
-          </a:p>
-          <a:p>
-            <a:endParaRPr lang="en-US" dirty="0" smtClean="0"/>
+            <a:endParaRPr lang="en-US" dirty="0"/>
+          </a:p>
+          <a:p>
+            <a:endParaRPr lang="en-US" dirty="0"/>
           </a:p>
           <a:p>
             <a:endParaRPr lang="ru-RU" dirty="0"/>
@@ -5317,26 +5345,26 @@
           <a:lstStyle/>
           <a:p>
             <a:r>
-              <a:rPr lang="en-US" dirty="0" smtClean="0"/>
+              <a:rPr lang="en-US" dirty="0"/>
               <a:t>System.Drawing.Drawing2D</a:t>
             </a:r>
           </a:p>
           <a:p>
             <a:r>
-              <a:rPr lang="en-US" dirty="0" err="1" smtClean="0"/>
+              <a:rPr lang="en-US" dirty="0" err="1"/>
               <a:t>System.Drawing.Printing</a:t>
             </a:r>
-            <a:endParaRPr lang="en-US" dirty="0" smtClean="0"/>
-          </a:p>
-          <a:p>
-            <a:r>
-              <a:rPr lang="en-US" dirty="0" err="1" smtClean="0"/>
+            <a:endParaRPr lang="en-US" dirty="0"/>
+          </a:p>
+          <a:p>
+            <a:r>
+              <a:rPr lang="en-US" dirty="0" err="1"/>
               <a:t>System.Drawing.Text</a:t>
             </a:r>
-            <a:endParaRPr lang="en-US" dirty="0" smtClean="0"/>
-          </a:p>
-          <a:p>
-            <a:endParaRPr lang="en-US" dirty="0" smtClean="0"/>
+            <a:endParaRPr lang="en-US" dirty="0"/>
+          </a:p>
+          <a:p>
+            <a:endParaRPr lang="en-US" dirty="0"/>
           </a:p>
           <a:p>
             <a:endParaRPr lang="ru-RU" dirty="0"/>
@@ -5412,49 +5440,49 @@
           <a:lstStyle/>
           <a:p>
             <a:r>
-              <a:rPr lang="en-US" dirty="0" smtClean="0"/>
+              <a:rPr lang="en-US" dirty="0"/>
               <a:t>System.IO</a:t>
             </a:r>
           </a:p>
           <a:p>
             <a:pPr lvl="1"/>
             <a:r>
-              <a:rPr lang="en-US" dirty="0" smtClean="0"/>
+              <a:rPr lang="en-US" dirty="0"/>
               <a:t>Stream, </a:t>
             </a:r>
             <a:r>
-              <a:rPr lang="en-US" dirty="0" err="1" smtClean="0"/>
+              <a:rPr lang="en-US" dirty="0" err="1"/>
               <a:t>TextReader</a:t>
             </a:r>
-            <a:endParaRPr lang="en-US" dirty="0" smtClean="0"/>
-          </a:p>
-          <a:p>
-            <a:r>
-              <a:rPr lang="en-US" dirty="0" err="1" smtClean="0"/>
+            <a:endParaRPr lang="en-US" dirty="0"/>
+          </a:p>
+          <a:p>
+            <a:r>
+              <a:rPr lang="en-US" dirty="0" err="1"/>
               <a:t>System.IO.Compression</a:t>
             </a:r>
-            <a:endParaRPr lang="en-US" dirty="0" smtClean="0"/>
-          </a:p>
-          <a:p>
-            <a:r>
-              <a:rPr lang="en-US" dirty="0" err="1" smtClean="0"/>
+            <a:endParaRPr lang="en-US" dirty="0"/>
+          </a:p>
+          <a:p>
+            <a:r>
+              <a:rPr lang="en-US" dirty="0" err="1"/>
               <a:t>System.IO.IsolatedStorage</a:t>
             </a:r>
-            <a:endParaRPr lang="en-US" dirty="0" smtClean="0"/>
-          </a:p>
-          <a:p>
-            <a:r>
-              <a:rPr lang="en-US" dirty="0" err="1" smtClean="0"/>
+            <a:endParaRPr lang="en-US" dirty="0"/>
+          </a:p>
+          <a:p>
+            <a:r>
+              <a:rPr lang="en-US" dirty="0" err="1"/>
               <a:t>System.IO.MemoryMappedFiles</a:t>
             </a:r>
-            <a:endParaRPr lang="en-US" dirty="0" smtClean="0"/>
-          </a:p>
-          <a:p>
-            <a:r>
-              <a:rPr lang="en-US" dirty="0" err="1" smtClean="0"/>
+            <a:endParaRPr lang="en-US" dirty="0"/>
+          </a:p>
+          <a:p>
+            <a:r>
+              <a:rPr lang="en-US" dirty="0" err="1"/>
               <a:t>System.IO.Pipes</a:t>
             </a:r>
-            <a:endParaRPr lang="en-US" dirty="0" smtClean="0"/>
+            <a:endParaRPr lang="en-US" dirty="0"/>
           </a:p>
           <a:p>
             <a:r>
@@ -5534,31 +5562,31 @@
           <a:lstStyle/>
           <a:p>
             <a:r>
-              <a:rPr lang="en-US" dirty="0" err="1" smtClean="0"/>
+              <a:rPr lang="en-US" dirty="0" err="1"/>
               <a:t>System.Linq</a:t>
             </a:r>
-            <a:endParaRPr lang="en-US" dirty="0" smtClean="0"/>
+            <a:endParaRPr lang="en-US" dirty="0"/>
           </a:p>
           <a:p>
             <a:pPr lvl="1"/>
             <a:r>
-              <a:rPr lang="en-US" dirty="0" smtClean="0"/>
+              <a:rPr lang="en-US" dirty="0"/>
               <a:t>Enumerable</a:t>
             </a:r>
           </a:p>
           <a:p>
             <a:r>
-              <a:rPr lang="en-US" dirty="0" err="1" smtClean="0"/>
+              <a:rPr lang="en-US" dirty="0" err="1"/>
               <a:t>System.Linq.Expressions</a:t>
             </a:r>
-            <a:endParaRPr lang="en-US" dirty="0" smtClean="0"/>
-          </a:p>
-          <a:p>
-            <a:r>
-              <a:rPr lang="en-US" dirty="0" err="1" smtClean="0"/>
+            <a:endParaRPr lang="en-US" dirty="0"/>
+          </a:p>
+          <a:p>
+            <a:r>
+              <a:rPr lang="en-US" dirty="0" err="1"/>
               <a:t>System.Linq.Parallel</a:t>
             </a:r>
-            <a:endParaRPr lang="en-US" dirty="0" smtClean="0"/>
+            <a:endParaRPr lang="en-US" dirty="0"/>
           </a:p>
           <a:p>
             <a:endParaRPr lang="ru-RU" dirty="0"/>

--- a/Presentation/fcl.pptx
+++ b/Presentation/fcl.pptx
@@ -131,7 +131,7 @@
   </p:defaultTextStyle>
   <p:extLst>
     <p:ext uri="{EFAFB233-063F-42B5-8137-9DF3F51BA10A}">
-      <p15:sldGuideLst xmlns:p15="http://schemas.microsoft.com/office/powerpoint/2012/main">
+      <p15:sldGuideLst xmlns:p15="http://schemas.microsoft.com/office/powerpoint/2012/main" xmlns="">
         <p15:guide id="1" orient="horz" pos="2160">
           <p15:clr>
             <a:srgbClr val="A4A3A4"/>
@@ -230,7 +230,7 @@
           <a:p>
             <a:fld id="{B24A7054-7FFB-49F4-A126-5DF6E687FF53}" type="datetimeFigureOut">
               <a:rPr lang="ru-RU" smtClean="0"/>
-              <a:t>01.07.2018</a:t>
+              <a:t>22.02.2019</a:t>
             </a:fld>
             <a:endParaRPr lang="ru-RU"/>
           </a:p>
@@ -499,8 +499,8 @@
 </file>
 
 <file path=ppt/slideLayouts/slideLayout1.xml><?xml version="1.0" encoding="utf-8"?>
-<p:sldLayout xmlns:a="http://schemas.openxmlformats.org/drawingml/2006/main" xmlns:r="http://schemas.openxmlformats.org/officeDocument/2006/relationships" xmlns:p="http://schemas.openxmlformats.org/presentationml/2006/main" preserve="1" userDrawn="1">
-  <p:cSld name="Title Slide">
+<p:sldLayout xmlns:a="http://schemas.openxmlformats.org/drawingml/2006/main" xmlns:r="http://schemas.openxmlformats.org/officeDocument/2006/relationships" xmlns:p="http://schemas.openxmlformats.org/presentationml/2006/main" type="obj" preserve="1">
+  <p:cSld name="Title and Content">
     <p:spTree>
       <p:nvGrpSpPr>
         <p:cNvPr id="1" name=""/>
@@ -517,172 +517,83 @@
       </p:grpSpPr>
       <p:sp>
         <p:nvSpPr>
-          <p:cNvPr id="7" name="Rectangle 6"/>
-          <p:cNvSpPr/>
-          <p:nvPr userDrawn="1"/>
-        </p:nvSpPr>
-        <p:spPr>
-          <a:xfrm>
-            <a:off x="143508" y="1304764"/>
-            <a:ext cx="8856984" cy="646331"/>
-          </a:xfrm>
-          <a:prstGeom prst="rect">
-            <a:avLst/>
-          </a:prstGeom>
-        </p:spPr>
-        <p:txBody>
-          <a:bodyPr wrap="square">
-            <a:spAutoFit/>
-          </a:bodyPr>
-          <a:lstStyle/>
-          <a:p>
-            <a:pPr algn="ctr"/>
-            <a:r>
-              <a:rPr lang="ru-RU" sz="3600" b="1" i="1" dirty="0">
-                <a:solidFill>
-                  <a:schemeClr val="bg1"/>
-                </a:solidFill>
-              </a:rPr>
-              <a:t>Основы программирования на </a:t>
-            </a:r>
-            <a:r>
-              <a:rPr lang="en-US" sz="3600" b="1" i="1" dirty="0">
-                <a:solidFill>
-                  <a:schemeClr val="bg1"/>
-                </a:solidFill>
-              </a:rPr>
-              <a:t>C#</a:t>
-            </a:r>
-            <a:endParaRPr lang="ru-RU" sz="3600" b="1" i="1" dirty="0">
-              <a:solidFill>
-                <a:schemeClr val="bg1"/>
-              </a:solidFill>
-            </a:endParaRPr>
-          </a:p>
-        </p:txBody>
-      </p:sp>
-      <p:pic>
-        <p:nvPicPr>
-          <p:cNvPr id="8" name="Picture 5"/>
-          <p:cNvPicPr>
-            <a:picLocks noChangeAspect="1" noChangeArrowheads="1"/>
-          </p:cNvPicPr>
-          <p:nvPr userDrawn="1"/>
-        </p:nvPicPr>
-        <p:blipFill>
-          <a:blip r:embed="rId2">
-            <a:extLst>
-              <a:ext uri="{28A0092B-C50C-407E-A947-70E740481C1C}">
-                <a14:useLocalDpi xmlns:a14="http://schemas.microsoft.com/office/drawing/2010/main" val="0"/>
-              </a:ext>
-            </a:extLst>
-          </a:blip>
-          <a:srcRect/>
-          <a:stretch>
-            <a:fillRect/>
-          </a:stretch>
-        </p:blipFill>
-        <p:spPr bwMode="auto">
-          <a:xfrm>
-            <a:off x="1638300" y="3829211"/>
-            <a:ext cx="5867400" cy="1724025"/>
-          </a:xfrm>
-          <a:prstGeom prst="rect">
-            <a:avLst/>
-          </a:prstGeom>
-          <a:noFill/>
-          <a:ln>
-            <a:noFill/>
-          </a:ln>
-          <a:effectLst/>
-          <a:extLst>
-            <a:ext uri="{909E8E84-426E-40DD-AFC4-6F175D3DCCD1}">
-              <a14:hiddenFill xmlns:a14="http://schemas.microsoft.com/office/drawing/2010/main">
-                <a:solidFill>
-                  <a:schemeClr val="accent1"/>
-                </a:solidFill>
-              </a14:hiddenFill>
-            </a:ext>
-            <a:ext uri="{91240B29-F687-4F45-9708-019B960494DF}">
-              <a14:hiddenLine xmlns:a14="http://schemas.microsoft.com/office/drawing/2010/main" w="9525">
-                <a:solidFill>
-                  <a:schemeClr val="tx1"/>
-                </a:solidFill>
-                <a:miter lim="800000"/>
-                <a:headEnd/>
-                <a:tailEnd/>
-              </a14:hiddenLine>
-            </a:ext>
-            <a:ext uri="{AF507438-7753-43E0-B8FC-AC1667EBCBE1}">
-              <a14:hiddenEffects xmlns:a14="http://schemas.microsoft.com/office/drawing/2010/main">
-                <a:effectLst>
-                  <a:outerShdw dist="35921" dir="2700000" algn="ctr" rotWithShape="0">
-                    <a:schemeClr val="bg2"/>
-                  </a:outerShdw>
-                </a:effectLst>
-              </a14:hiddenEffects>
-            </a:ext>
-          </a:extLst>
-        </p:spPr>
-      </p:pic>
-      <p:sp>
-        <p:nvSpPr>
-          <p:cNvPr id="9" name="TextBox 8"/>
-          <p:cNvSpPr txBox="1"/>
-          <p:nvPr userDrawn="1"/>
-        </p:nvSpPr>
-        <p:spPr>
-          <a:xfrm>
-            <a:off x="2774873" y="2528900"/>
-            <a:ext cx="4240263" cy="461665"/>
-          </a:xfrm>
-          <a:prstGeom prst="rect">
-            <a:avLst/>
-          </a:prstGeom>
-          <a:noFill/>
-        </p:spPr>
-        <p:txBody>
-          <a:bodyPr wrap="none" rtlCol="0">
-            <a:spAutoFit/>
-          </a:bodyPr>
-          <a:lstStyle/>
-          <a:p>
-            <a:r>
-              <a:rPr lang="ru-RU" sz="2400" dirty="0">
-                <a:solidFill>
-                  <a:schemeClr val="bg1"/>
-                </a:solidFill>
-              </a:rPr>
-              <a:t>Занятие №</a:t>
-            </a:r>
-            <a:r>
-              <a:rPr lang="en-US" sz="2400" dirty="0">
-                <a:solidFill>
-                  <a:schemeClr val="bg1"/>
-                </a:solidFill>
-              </a:rPr>
-              <a:t>1</a:t>
-            </a:r>
-            <a:r>
-              <a:rPr lang="ru-RU" sz="2400" dirty="0">
-                <a:solidFill>
-                  <a:schemeClr val="bg1"/>
-                </a:solidFill>
-              </a:rPr>
-              <a:t>. Название занятия</a:t>
-            </a:r>
-            <a:endParaRPr lang="en-US" sz="2400" dirty="0">
-              <a:solidFill>
-                <a:schemeClr val="bg1"/>
-              </a:solidFill>
-            </a:endParaRPr>
+          <p:cNvPr id="2" name="Title 1"/>
+          <p:cNvSpPr>
+            <a:spLocks noGrp="1"/>
+          </p:cNvSpPr>
+          <p:nvPr>
+            <p:ph type="title"/>
+          </p:nvPr>
+        </p:nvSpPr>
+        <p:spPr/>
+        <p:txBody>
+          <a:bodyPr/>
+          <a:lstStyle/>
+          <a:p>
+            <a:r>
+              <a:rPr lang="en-US"/>
+              <a:t>Click to edit Master title style</a:t>
+            </a:r>
+            <a:endParaRPr lang="ru-RU" dirty="0"/>
+          </a:p>
+        </p:txBody>
+      </p:sp>
+      <p:sp>
+        <p:nvSpPr>
+          <p:cNvPr id="3" name="Content Placeholder 2"/>
+          <p:cNvSpPr>
+            <a:spLocks noGrp="1"/>
+          </p:cNvSpPr>
+          <p:nvPr>
+            <p:ph idx="1"/>
+          </p:nvPr>
+        </p:nvSpPr>
+        <p:spPr/>
+        <p:txBody>
+          <a:bodyPr/>
+          <a:lstStyle/>
+          <a:p>
+            <a:pPr lvl="0"/>
+            <a:r>
+              <a:rPr lang="en-US"/>
+              <a:t>Click to edit Master text styles</a:t>
+            </a:r>
+          </a:p>
+          <a:p>
+            <a:pPr lvl="1"/>
+            <a:r>
+              <a:rPr lang="en-US"/>
+              <a:t>Second level</a:t>
+            </a:r>
+          </a:p>
+          <a:p>
+            <a:pPr lvl="2"/>
+            <a:r>
+              <a:rPr lang="en-US"/>
+              <a:t>Third level</a:t>
+            </a:r>
+          </a:p>
+          <a:p>
+            <a:pPr lvl="3"/>
+            <a:r>
+              <a:rPr lang="en-US"/>
+              <a:t>Fourth level</a:t>
+            </a:r>
+          </a:p>
+          <a:p>
+            <a:pPr lvl="4"/>
+            <a:r>
+              <a:rPr lang="en-US"/>
+              <a:t>Fifth level</a:t>
+            </a:r>
+            <a:endParaRPr lang="ru-RU" dirty="0"/>
           </a:p>
         </p:txBody>
       </p:sp>
     </p:spTree>
     <p:extLst>
       <p:ext uri="{BB962C8B-B14F-4D97-AF65-F5344CB8AC3E}">
-        <p14:creationId xmlns:p14="http://schemas.microsoft.com/office/powerpoint/2010/main" val="2062725571"/>
+        <p14:creationId xmlns:p14="http://schemas.microsoft.com/office/powerpoint/2010/main" val="3363467697"/>
       </p:ext>
     </p:extLst>
   </p:cSld>
@@ -693,6 +604,1377 @@
 </file>
 
 <file path=ppt/slideLayouts/slideLayout10.xml><?xml version="1.0" encoding="utf-8"?>
+<p:sldLayout xmlns:a="http://schemas.openxmlformats.org/drawingml/2006/main" xmlns:r="http://schemas.openxmlformats.org/officeDocument/2006/relationships" xmlns:p="http://schemas.openxmlformats.org/presentationml/2006/main" type="vertTx" preserve="1">
+  <p:cSld name="Title and Vertical Text">
+    <p:spTree>
+      <p:nvGrpSpPr>
+        <p:cNvPr id="1" name=""/>
+        <p:cNvGrpSpPr/>
+        <p:nvPr/>
+      </p:nvGrpSpPr>
+      <p:grpSpPr>
+        <a:xfrm>
+          <a:off x="0" y="0"/>
+          <a:ext cx="0" cy="0"/>
+          <a:chOff x="0" y="0"/>
+          <a:chExt cx="0" cy="0"/>
+        </a:xfrm>
+      </p:grpSpPr>
+      <p:sp>
+        <p:nvSpPr>
+          <p:cNvPr id="2" name="Title 1"/>
+          <p:cNvSpPr>
+            <a:spLocks noGrp="1"/>
+          </p:cNvSpPr>
+          <p:nvPr>
+            <p:ph type="title"/>
+          </p:nvPr>
+        </p:nvSpPr>
+        <p:spPr/>
+        <p:txBody>
+          <a:bodyPr/>
+          <a:lstStyle/>
+          <a:p>
+            <a:r>
+              <a:rPr lang="en-US"/>
+              <a:t>Click to edit Master title style</a:t>
+            </a:r>
+            <a:endParaRPr lang="ru-RU" dirty="0"/>
+          </a:p>
+        </p:txBody>
+      </p:sp>
+      <p:sp>
+        <p:nvSpPr>
+          <p:cNvPr id="3" name="Vertical Text Placeholder 2"/>
+          <p:cNvSpPr>
+            <a:spLocks noGrp="1"/>
+          </p:cNvSpPr>
+          <p:nvPr>
+            <p:ph type="body" orient="vert" idx="1"/>
+          </p:nvPr>
+        </p:nvSpPr>
+        <p:spPr/>
+        <p:txBody>
+          <a:bodyPr vert="eaVert"/>
+          <a:lstStyle/>
+          <a:p>
+            <a:pPr lvl="0"/>
+            <a:r>
+              <a:rPr lang="en-US"/>
+              <a:t>Click to edit Master text styles</a:t>
+            </a:r>
+          </a:p>
+          <a:p>
+            <a:pPr lvl="1"/>
+            <a:r>
+              <a:rPr lang="en-US"/>
+              <a:t>Second level</a:t>
+            </a:r>
+          </a:p>
+          <a:p>
+            <a:pPr lvl="2"/>
+            <a:r>
+              <a:rPr lang="en-US"/>
+              <a:t>Third level</a:t>
+            </a:r>
+          </a:p>
+          <a:p>
+            <a:pPr lvl="3"/>
+            <a:r>
+              <a:rPr lang="en-US"/>
+              <a:t>Fourth level</a:t>
+            </a:r>
+          </a:p>
+          <a:p>
+            <a:pPr lvl="4"/>
+            <a:r>
+              <a:rPr lang="en-US"/>
+              <a:t>Fifth level</a:t>
+            </a:r>
+            <a:endParaRPr lang="ru-RU" dirty="0"/>
+          </a:p>
+        </p:txBody>
+      </p:sp>
+    </p:spTree>
+    <p:extLst>
+      <p:ext uri="{BB962C8B-B14F-4D97-AF65-F5344CB8AC3E}">
+        <p14:creationId xmlns:p14="http://schemas.microsoft.com/office/powerpoint/2010/main" val="2015559697"/>
+      </p:ext>
+    </p:extLst>
+  </p:cSld>
+  <p:clrMapOvr>
+    <a:masterClrMapping/>
+  </p:clrMapOvr>
+</p:sldLayout>
+</file>
+
+<file path=ppt/slideLayouts/slideLayout11.xml><?xml version="1.0" encoding="utf-8"?>
+<p:sldLayout xmlns:a="http://schemas.openxmlformats.org/drawingml/2006/main" xmlns:r="http://schemas.openxmlformats.org/officeDocument/2006/relationships" xmlns:p="http://schemas.openxmlformats.org/presentationml/2006/main" type="vertTitleAndTx" preserve="1">
+  <p:cSld name="Vertical Title and Text">
+    <p:spTree>
+      <p:nvGrpSpPr>
+        <p:cNvPr id="1" name=""/>
+        <p:cNvGrpSpPr/>
+        <p:nvPr/>
+      </p:nvGrpSpPr>
+      <p:grpSpPr>
+        <a:xfrm>
+          <a:off x="0" y="0"/>
+          <a:ext cx="0" cy="0"/>
+          <a:chOff x="0" y="0"/>
+          <a:chExt cx="0" cy="0"/>
+        </a:xfrm>
+      </p:grpSpPr>
+      <p:sp>
+        <p:nvSpPr>
+          <p:cNvPr id="2" name="Vertical Title 1"/>
+          <p:cNvSpPr>
+            <a:spLocks noGrp="1"/>
+          </p:cNvSpPr>
+          <p:nvPr>
+            <p:ph type="title" orient="vert"/>
+          </p:nvPr>
+        </p:nvSpPr>
+        <p:spPr>
+          <a:xfrm>
+            <a:off x="6629400" y="274638"/>
+            <a:ext cx="2057400" cy="5851525"/>
+          </a:xfrm>
+        </p:spPr>
+        <p:txBody>
+          <a:bodyPr vert="eaVert"/>
+          <a:lstStyle/>
+          <a:p>
+            <a:r>
+              <a:rPr lang="en-US"/>
+              <a:t>Click to edit Master title style</a:t>
+            </a:r>
+            <a:endParaRPr lang="ru-RU" dirty="0"/>
+          </a:p>
+        </p:txBody>
+      </p:sp>
+      <p:sp>
+        <p:nvSpPr>
+          <p:cNvPr id="3" name="Vertical Text Placeholder 2"/>
+          <p:cNvSpPr>
+            <a:spLocks noGrp="1"/>
+          </p:cNvSpPr>
+          <p:nvPr>
+            <p:ph type="body" orient="vert" idx="1"/>
+          </p:nvPr>
+        </p:nvSpPr>
+        <p:spPr>
+          <a:xfrm>
+            <a:off x="457200" y="274638"/>
+            <a:ext cx="6019800" cy="5851525"/>
+          </a:xfrm>
+        </p:spPr>
+        <p:txBody>
+          <a:bodyPr vert="eaVert"/>
+          <a:lstStyle/>
+          <a:p>
+            <a:pPr lvl="0"/>
+            <a:r>
+              <a:rPr lang="en-US"/>
+              <a:t>Click to edit Master text styles</a:t>
+            </a:r>
+          </a:p>
+          <a:p>
+            <a:pPr lvl="1"/>
+            <a:r>
+              <a:rPr lang="en-US"/>
+              <a:t>Second level</a:t>
+            </a:r>
+          </a:p>
+          <a:p>
+            <a:pPr lvl="2"/>
+            <a:r>
+              <a:rPr lang="en-US"/>
+              <a:t>Third level</a:t>
+            </a:r>
+          </a:p>
+          <a:p>
+            <a:pPr lvl="3"/>
+            <a:r>
+              <a:rPr lang="en-US"/>
+              <a:t>Fourth level</a:t>
+            </a:r>
+          </a:p>
+          <a:p>
+            <a:pPr lvl="4"/>
+            <a:r>
+              <a:rPr lang="en-US"/>
+              <a:t>Fifth level</a:t>
+            </a:r>
+            <a:endParaRPr lang="ru-RU" dirty="0"/>
+          </a:p>
+        </p:txBody>
+      </p:sp>
+    </p:spTree>
+    <p:extLst>
+      <p:ext uri="{BB962C8B-B14F-4D97-AF65-F5344CB8AC3E}">
+        <p14:creationId xmlns:p14="http://schemas.microsoft.com/office/powerpoint/2010/main" val="370514854"/>
+      </p:ext>
+    </p:extLst>
+  </p:cSld>
+  <p:clrMapOvr>
+    <a:masterClrMapping/>
+  </p:clrMapOvr>
+</p:sldLayout>
+</file>
+
+<file path=ppt/slideLayouts/slideLayout12.xml><?xml version="1.0" encoding="utf-8"?>
+<p:sldLayout xmlns:a="http://schemas.openxmlformats.org/drawingml/2006/main" xmlns:r="http://schemas.openxmlformats.org/officeDocument/2006/relationships" xmlns:p="http://schemas.openxmlformats.org/presentationml/2006/main" type="title">
+  <p:cSld name="2_Title Slide">
+    <p:spTree>
+      <p:nvGrpSpPr>
+        <p:cNvPr id="1" name=""/>
+        <p:cNvGrpSpPr/>
+        <p:nvPr/>
+      </p:nvGrpSpPr>
+      <p:grpSpPr>
+        <a:xfrm>
+          <a:off x="0" y="0"/>
+          <a:ext cx="0" cy="0"/>
+          <a:chOff x="0" y="0"/>
+          <a:chExt cx="0" cy="0"/>
+        </a:xfrm>
+      </p:grpSpPr>
+      <p:sp>
+        <p:nvSpPr>
+          <p:cNvPr id="2" name="Title 1"/>
+          <p:cNvSpPr>
+            <a:spLocks noGrp="1"/>
+          </p:cNvSpPr>
+          <p:nvPr>
+            <p:ph type="ctrTitle"/>
+          </p:nvPr>
+        </p:nvSpPr>
+        <p:spPr>
+          <a:xfrm>
+            <a:off x="685800" y="2130425"/>
+            <a:ext cx="7772400" cy="1470025"/>
+          </a:xfrm>
+        </p:spPr>
+        <p:txBody>
+          <a:bodyPr/>
+          <a:lstStyle/>
+          <a:p>
+            <a:r>
+              <a:rPr lang="en-US"/>
+              <a:t>Click to edit Master title style</a:t>
+            </a:r>
+            <a:endParaRPr lang="ru-RU"/>
+          </a:p>
+        </p:txBody>
+      </p:sp>
+      <p:sp>
+        <p:nvSpPr>
+          <p:cNvPr id="3" name="Subtitle 2"/>
+          <p:cNvSpPr>
+            <a:spLocks noGrp="1"/>
+          </p:cNvSpPr>
+          <p:nvPr>
+            <p:ph type="subTitle" idx="1"/>
+          </p:nvPr>
+        </p:nvSpPr>
+        <p:spPr>
+          <a:xfrm>
+            <a:off x="1371600" y="3886200"/>
+            <a:ext cx="6400800" cy="1752600"/>
+          </a:xfrm>
+        </p:spPr>
+        <p:txBody>
+          <a:bodyPr/>
+          <a:lstStyle>
+            <a:lvl1pPr marL="0" indent="0" algn="ctr">
+              <a:buNone/>
+              <a:defRPr>
+                <a:solidFill>
+                  <a:schemeClr val="tx1">
+                    <a:tint val="75000"/>
+                  </a:schemeClr>
+                </a:solidFill>
+              </a:defRPr>
+            </a:lvl1pPr>
+            <a:lvl2pPr marL="457200" indent="0" algn="ctr">
+              <a:buNone/>
+              <a:defRPr>
+                <a:solidFill>
+                  <a:schemeClr val="tx1">
+                    <a:tint val="75000"/>
+                  </a:schemeClr>
+                </a:solidFill>
+              </a:defRPr>
+            </a:lvl2pPr>
+            <a:lvl3pPr marL="914400" indent="0" algn="ctr">
+              <a:buNone/>
+              <a:defRPr>
+                <a:solidFill>
+                  <a:schemeClr val="tx1">
+                    <a:tint val="75000"/>
+                  </a:schemeClr>
+                </a:solidFill>
+              </a:defRPr>
+            </a:lvl3pPr>
+            <a:lvl4pPr marL="1371600" indent="0" algn="ctr">
+              <a:buNone/>
+              <a:defRPr>
+                <a:solidFill>
+                  <a:schemeClr val="tx1">
+                    <a:tint val="75000"/>
+                  </a:schemeClr>
+                </a:solidFill>
+              </a:defRPr>
+            </a:lvl4pPr>
+            <a:lvl5pPr marL="1828800" indent="0" algn="ctr">
+              <a:buNone/>
+              <a:defRPr>
+                <a:solidFill>
+                  <a:schemeClr val="tx1">
+                    <a:tint val="75000"/>
+                  </a:schemeClr>
+                </a:solidFill>
+              </a:defRPr>
+            </a:lvl5pPr>
+            <a:lvl6pPr marL="2286000" indent="0" algn="ctr">
+              <a:buNone/>
+              <a:defRPr>
+                <a:solidFill>
+                  <a:schemeClr val="tx1">
+                    <a:tint val="75000"/>
+                  </a:schemeClr>
+                </a:solidFill>
+              </a:defRPr>
+            </a:lvl6pPr>
+            <a:lvl7pPr marL="2743200" indent="0" algn="ctr">
+              <a:buNone/>
+              <a:defRPr>
+                <a:solidFill>
+                  <a:schemeClr val="tx1">
+                    <a:tint val="75000"/>
+                  </a:schemeClr>
+                </a:solidFill>
+              </a:defRPr>
+            </a:lvl7pPr>
+            <a:lvl8pPr marL="3200400" indent="0" algn="ctr">
+              <a:buNone/>
+              <a:defRPr>
+                <a:solidFill>
+                  <a:schemeClr val="tx1">
+                    <a:tint val="75000"/>
+                  </a:schemeClr>
+                </a:solidFill>
+              </a:defRPr>
+            </a:lvl8pPr>
+            <a:lvl9pPr marL="3657600" indent="0" algn="ctr">
+              <a:buNone/>
+              <a:defRPr>
+                <a:solidFill>
+                  <a:schemeClr val="tx1">
+                    <a:tint val="75000"/>
+                  </a:schemeClr>
+                </a:solidFill>
+              </a:defRPr>
+            </a:lvl9pPr>
+          </a:lstStyle>
+          <a:p>
+            <a:r>
+              <a:rPr lang="en-US"/>
+              <a:t>Click to edit Master subtitle style</a:t>
+            </a:r>
+            <a:endParaRPr lang="ru-RU"/>
+          </a:p>
+        </p:txBody>
+      </p:sp>
+      <p:sp>
+        <p:nvSpPr>
+          <p:cNvPr id="4" name="Date Placeholder 3"/>
+          <p:cNvSpPr>
+            <a:spLocks noGrp="1"/>
+          </p:cNvSpPr>
+          <p:nvPr>
+            <p:ph type="dt" sz="half" idx="10"/>
+          </p:nvPr>
+        </p:nvSpPr>
+        <p:spPr/>
+        <p:txBody>
+          <a:bodyPr/>
+          <a:lstStyle/>
+          <a:p>
+            <a:fld id="{8E6E6A2A-E9D3-4A0D-B04A-ABDD367A1E08}" type="datetimeFigureOut">
+              <a:rPr lang="ru-RU" smtClean="0"/>
+              <a:t>22.02.2019</a:t>
+            </a:fld>
+            <a:endParaRPr lang="ru-RU"/>
+          </a:p>
+        </p:txBody>
+      </p:sp>
+      <p:sp>
+        <p:nvSpPr>
+          <p:cNvPr id="5" name="Footer Placeholder 4"/>
+          <p:cNvSpPr>
+            <a:spLocks noGrp="1"/>
+          </p:cNvSpPr>
+          <p:nvPr>
+            <p:ph type="ftr" sz="quarter" idx="11"/>
+          </p:nvPr>
+        </p:nvSpPr>
+        <p:spPr/>
+        <p:txBody>
+          <a:bodyPr/>
+          <a:lstStyle/>
+          <a:p>
+            <a:endParaRPr lang="ru-RU"/>
+          </a:p>
+        </p:txBody>
+      </p:sp>
+      <p:sp>
+        <p:nvSpPr>
+          <p:cNvPr id="6" name="Slide Number Placeholder 5"/>
+          <p:cNvSpPr>
+            <a:spLocks noGrp="1"/>
+          </p:cNvSpPr>
+          <p:nvPr>
+            <p:ph type="sldNum" sz="quarter" idx="12"/>
+          </p:nvPr>
+        </p:nvSpPr>
+        <p:spPr/>
+        <p:txBody>
+          <a:bodyPr/>
+          <a:lstStyle/>
+          <a:p>
+            <a:fld id="{BC0D3D34-2E8A-4A38-B864-C677BA056495}" type="slidenum">
+              <a:rPr lang="ru-RU" smtClean="0"/>
+              <a:t>‹#›</a:t>
+            </a:fld>
+            <a:endParaRPr lang="ru-RU"/>
+          </a:p>
+        </p:txBody>
+      </p:sp>
+    </p:spTree>
+    <p:extLst>
+      <p:ext uri="{BB962C8B-B14F-4D97-AF65-F5344CB8AC3E}">
+        <p14:creationId xmlns:p14="http://schemas.microsoft.com/office/powerpoint/2010/main" val="4222294974"/>
+      </p:ext>
+    </p:extLst>
+  </p:cSld>
+  <p:clrMapOvr>
+    <a:masterClrMapping/>
+  </p:clrMapOvr>
+</p:sldLayout>
+</file>
+
+<file path=ppt/slideLayouts/slideLayout2.xml><?xml version="1.0" encoding="utf-8"?>
+<p:sldLayout xmlns:a="http://schemas.openxmlformats.org/drawingml/2006/main" xmlns:r="http://schemas.openxmlformats.org/officeDocument/2006/relationships" xmlns:p="http://schemas.openxmlformats.org/presentationml/2006/main" type="secHead" preserve="1">
+  <p:cSld name="Section Header">
+    <p:spTree>
+      <p:nvGrpSpPr>
+        <p:cNvPr id="1" name=""/>
+        <p:cNvGrpSpPr/>
+        <p:nvPr/>
+      </p:nvGrpSpPr>
+      <p:grpSpPr>
+        <a:xfrm>
+          <a:off x="0" y="0"/>
+          <a:ext cx="0" cy="0"/>
+          <a:chOff x="0" y="0"/>
+          <a:chExt cx="0" cy="0"/>
+        </a:xfrm>
+      </p:grpSpPr>
+      <p:sp>
+        <p:nvSpPr>
+          <p:cNvPr id="2" name="Title 1"/>
+          <p:cNvSpPr>
+            <a:spLocks noGrp="1"/>
+          </p:cNvSpPr>
+          <p:nvPr>
+            <p:ph type="title"/>
+          </p:nvPr>
+        </p:nvSpPr>
+        <p:spPr>
+          <a:xfrm>
+            <a:off x="722313" y="4406900"/>
+            <a:ext cx="7772400" cy="1362075"/>
+          </a:xfrm>
+        </p:spPr>
+        <p:txBody>
+          <a:bodyPr anchor="t"/>
+          <a:lstStyle>
+            <a:lvl1pPr algn="l">
+              <a:defRPr sz="4000" b="1" cap="all"/>
+            </a:lvl1pPr>
+          </a:lstStyle>
+          <a:p>
+            <a:r>
+              <a:rPr lang="en-US"/>
+              <a:t>Click to edit Master title style</a:t>
+            </a:r>
+            <a:endParaRPr lang="ru-RU" dirty="0"/>
+          </a:p>
+        </p:txBody>
+      </p:sp>
+      <p:sp>
+        <p:nvSpPr>
+          <p:cNvPr id="3" name="Text Placeholder 2"/>
+          <p:cNvSpPr>
+            <a:spLocks noGrp="1"/>
+          </p:cNvSpPr>
+          <p:nvPr>
+            <p:ph type="body" idx="1"/>
+          </p:nvPr>
+        </p:nvSpPr>
+        <p:spPr>
+          <a:xfrm>
+            <a:off x="722313" y="2906713"/>
+            <a:ext cx="7772400" cy="1500187"/>
+          </a:xfrm>
+        </p:spPr>
+        <p:txBody>
+          <a:bodyPr anchor="b"/>
+          <a:lstStyle>
+            <a:lvl1pPr marL="0" indent="0">
+              <a:buNone/>
+              <a:defRPr sz="2000">
+                <a:solidFill>
+                  <a:schemeClr val="tx1">
+                    <a:tint val="75000"/>
+                  </a:schemeClr>
+                </a:solidFill>
+              </a:defRPr>
+            </a:lvl1pPr>
+            <a:lvl2pPr marL="457200" indent="0">
+              <a:buNone/>
+              <a:defRPr sz="1800">
+                <a:solidFill>
+                  <a:schemeClr val="tx1">
+                    <a:tint val="75000"/>
+                  </a:schemeClr>
+                </a:solidFill>
+              </a:defRPr>
+            </a:lvl2pPr>
+            <a:lvl3pPr marL="914400" indent="0">
+              <a:buNone/>
+              <a:defRPr sz="1600">
+                <a:solidFill>
+                  <a:schemeClr val="tx1">
+                    <a:tint val="75000"/>
+                  </a:schemeClr>
+                </a:solidFill>
+              </a:defRPr>
+            </a:lvl3pPr>
+            <a:lvl4pPr marL="1371600" indent="0">
+              <a:buNone/>
+              <a:defRPr sz="1400">
+                <a:solidFill>
+                  <a:schemeClr val="tx1">
+                    <a:tint val="75000"/>
+                  </a:schemeClr>
+                </a:solidFill>
+              </a:defRPr>
+            </a:lvl4pPr>
+            <a:lvl5pPr marL="1828800" indent="0">
+              <a:buNone/>
+              <a:defRPr sz="1400">
+                <a:solidFill>
+                  <a:schemeClr val="tx1">
+                    <a:tint val="75000"/>
+                  </a:schemeClr>
+                </a:solidFill>
+              </a:defRPr>
+            </a:lvl5pPr>
+            <a:lvl6pPr marL="2286000" indent="0">
+              <a:buNone/>
+              <a:defRPr sz="1400">
+                <a:solidFill>
+                  <a:schemeClr val="tx1">
+                    <a:tint val="75000"/>
+                  </a:schemeClr>
+                </a:solidFill>
+              </a:defRPr>
+            </a:lvl6pPr>
+            <a:lvl7pPr marL="2743200" indent="0">
+              <a:buNone/>
+              <a:defRPr sz="1400">
+                <a:solidFill>
+                  <a:schemeClr val="tx1">
+                    <a:tint val="75000"/>
+                  </a:schemeClr>
+                </a:solidFill>
+              </a:defRPr>
+            </a:lvl7pPr>
+            <a:lvl8pPr marL="3200400" indent="0">
+              <a:buNone/>
+              <a:defRPr sz="1400">
+                <a:solidFill>
+                  <a:schemeClr val="tx1">
+                    <a:tint val="75000"/>
+                  </a:schemeClr>
+                </a:solidFill>
+              </a:defRPr>
+            </a:lvl8pPr>
+            <a:lvl9pPr marL="3657600" indent="0">
+              <a:buNone/>
+              <a:defRPr sz="1400">
+                <a:solidFill>
+                  <a:schemeClr val="tx1">
+                    <a:tint val="75000"/>
+                  </a:schemeClr>
+                </a:solidFill>
+              </a:defRPr>
+            </a:lvl9pPr>
+          </a:lstStyle>
+          <a:p>
+            <a:pPr lvl="0"/>
+            <a:r>
+              <a:rPr lang="en-US"/>
+              <a:t>Click to edit Master text styles</a:t>
+            </a:r>
+          </a:p>
+        </p:txBody>
+      </p:sp>
+    </p:spTree>
+    <p:extLst>
+      <p:ext uri="{BB962C8B-B14F-4D97-AF65-F5344CB8AC3E}">
+        <p14:creationId xmlns:p14="http://schemas.microsoft.com/office/powerpoint/2010/main" val="1627150216"/>
+      </p:ext>
+    </p:extLst>
+  </p:cSld>
+  <p:clrMapOvr>
+    <a:masterClrMapping/>
+  </p:clrMapOvr>
+</p:sldLayout>
+</file>
+
+<file path=ppt/slideLayouts/slideLayout3.xml><?xml version="1.0" encoding="utf-8"?>
+<p:sldLayout xmlns:a="http://schemas.openxmlformats.org/drawingml/2006/main" xmlns:r="http://schemas.openxmlformats.org/officeDocument/2006/relationships" xmlns:p="http://schemas.openxmlformats.org/presentationml/2006/main" type="twoObj" preserve="1">
+  <p:cSld name="Two Content">
+    <p:spTree>
+      <p:nvGrpSpPr>
+        <p:cNvPr id="1" name=""/>
+        <p:cNvGrpSpPr/>
+        <p:nvPr/>
+      </p:nvGrpSpPr>
+      <p:grpSpPr>
+        <a:xfrm>
+          <a:off x="0" y="0"/>
+          <a:ext cx="0" cy="0"/>
+          <a:chOff x="0" y="0"/>
+          <a:chExt cx="0" cy="0"/>
+        </a:xfrm>
+      </p:grpSpPr>
+      <p:sp>
+        <p:nvSpPr>
+          <p:cNvPr id="2" name="Title 1"/>
+          <p:cNvSpPr>
+            <a:spLocks noGrp="1"/>
+          </p:cNvSpPr>
+          <p:nvPr>
+            <p:ph type="title"/>
+          </p:nvPr>
+        </p:nvSpPr>
+        <p:spPr/>
+        <p:txBody>
+          <a:bodyPr/>
+          <a:lstStyle/>
+          <a:p>
+            <a:r>
+              <a:rPr lang="en-US"/>
+              <a:t>Click to edit Master title style</a:t>
+            </a:r>
+            <a:endParaRPr lang="ru-RU" dirty="0"/>
+          </a:p>
+        </p:txBody>
+      </p:sp>
+      <p:sp>
+        <p:nvSpPr>
+          <p:cNvPr id="3" name="Content Placeholder 2"/>
+          <p:cNvSpPr>
+            <a:spLocks noGrp="1"/>
+          </p:cNvSpPr>
+          <p:nvPr>
+            <p:ph sz="half" idx="1"/>
+          </p:nvPr>
+        </p:nvSpPr>
+        <p:spPr>
+          <a:xfrm>
+            <a:off x="457200" y="1600200"/>
+            <a:ext cx="4038600" cy="4525963"/>
+          </a:xfrm>
+        </p:spPr>
+        <p:txBody>
+          <a:bodyPr/>
+          <a:lstStyle>
+            <a:lvl1pPr>
+              <a:defRPr sz="2800"/>
+            </a:lvl1pPr>
+            <a:lvl2pPr>
+              <a:defRPr sz="2400"/>
+            </a:lvl2pPr>
+            <a:lvl3pPr>
+              <a:defRPr sz="2000"/>
+            </a:lvl3pPr>
+            <a:lvl4pPr>
+              <a:defRPr sz="1800"/>
+            </a:lvl4pPr>
+            <a:lvl5pPr>
+              <a:defRPr sz="1800"/>
+            </a:lvl5pPr>
+            <a:lvl6pPr>
+              <a:defRPr sz="1800"/>
+            </a:lvl6pPr>
+            <a:lvl7pPr>
+              <a:defRPr sz="1800"/>
+            </a:lvl7pPr>
+            <a:lvl8pPr>
+              <a:defRPr sz="1800"/>
+            </a:lvl8pPr>
+            <a:lvl9pPr>
+              <a:defRPr sz="1800"/>
+            </a:lvl9pPr>
+          </a:lstStyle>
+          <a:p>
+            <a:pPr lvl="0"/>
+            <a:r>
+              <a:rPr lang="en-US"/>
+              <a:t>Click to edit Master text styles</a:t>
+            </a:r>
+          </a:p>
+          <a:p>
+            <a:pPr lvl="1"/>
+            <a:r>
+              <a:rPr lang="en-US"/>
+              <a:t>Second level</a:t>
+            </a:r>
+          </a:p>
+          <a:p>
+            <a:pPr lvl="2"/>
+            <a:r>
+              <a:rPr lang="en-US"/>
+              <a:t>Third level</a:t>
+            </a:r>
+          </a:p>
+          <a:p>
+            <a:pPr lvl="3"/>
+            <a:r>
+              <a:rPr lang="en-US"/>
+              <a:t>Fourth level</a:t>
+            </a:r>
+          </a:p>
+          <a:p>
+            <a:pPr lvl="4"/>
+            <a:r>
+              <a:rPr lang="en-US"/>
+              <a:t>Fifth level</a:t>
+            </a:r>
+            <a:endParaRPr lang="ru-RU" dirty="0"/>
+          </a:p>
+        </p:txBody>
+      </p:sp>
+      <p:sp>
+        <p:nvSpPr>
+          <p:cNvPr id="4" name="Content Placeholder 3"/>
+          <p:cNvSpPr>
+            <a:spLocks noGrp="1"/>
+          </p:cNvSpPr>
+          <p:nvPr>
+            <p:ph sz="half" idx="2"/>
+          </p:nvPr>
+        </p:nvSpPr>
+        <p:spPr>
+          <a:xfrm>
+            <a:off x="4648200" y="1600200"/>
+            <a:ext cx="4038600" cy="4525963"/>
+          </a:xfrm>
+        </p:spPr>
+        <p:txBody>
+          <a:bodyPr/>
+          <a:lstStyle>
+            <a:lvl1pPr>
+              <a:defRPr sz="2800"/>
+            </a:lvl1pPr>
+            <a:lvl2pPr>
+              <a:defRPr sz="2400"/>
+            </a:lvl2pPr>
+            <a:lvl3pPr>
+              <a:defRPr sz="2000"/>
+            </a:lvl3pPr>
+            <a:lvl4pPr>
+              <a:defRPr sz="1800"/>
+            </a:lvl4pPr>
+            <a:lvl5pPr>
+              <a:defRPr sz="1800"/>
+            </a:lvl5pPr>
+            <a:lvl6pPr>
+              <a:defRPr sz="1800"/>
+            </a:lvl6pPr>
+            <a:lvl7pPr>
+              <a:defRPr sz="1800"/>
+            </a:lvl7pPr>
+            <a:lvl8pPr>
+              <a:defRPr sz="1800"/>
+            </a:lvl8pPr>
+            <a:lvl9pPr>
+              <a:defRPr sz="1800"/>
+            </a:lvl9pPr>
+          </a:lstStyle>
+          <a:p>
+            <a:pPr lvl="0"/>
+            <a:r>
+              <a:rPr lang="en-US"/>
+              <a:t>Click to edit Master text styles</a:t>
+            </a:r>
+          </a:p>
+          <a:p>
+            <a:pPr lvl="1"/>
+            <a:r>
+              <a:rPr lang="en-US"/>
+              <a:t>Second level</a:t>
+            </a:r>
+          </a:p>
+          <a:p>
+            <a:pPr lvl="2"/>
+            <a:r>
+              <a:rPr lang="en-US"/>
+              <a:t>Third level</a:t>
+            </a:r>
+          </a:p>
+          <a:p>
+            <a:pPr lvl="3"/>
+            <a:r>
+              <a:rPr lang="en-US"/>
+              <a:t>Fourth level</a:t>
+            </a:r>
+          </a:p>
+          <a:p>
+            <a:pPr lvl="4"/>
+            <a:r>
+              <a:rPr lang="en-US"/>
+              <a:t>Fifth level</a:t>
+            </a:r>
+            <a:endParaRPr lang="ru-RU" dirty="0"/>
+          </a:p>
+        </p:txBody>
+      </p:sp>
+    </p:spTree>
+    <p:extLst>
+      <p:ext uri="{BB962C8B-B14F-4D97-AF65-F5344CB8AC3E}">
+        <p14:creationId xmlns:p14="http://schemas.microsoft.com/office/powerpoint/2010/main" val="1026234569"/>
+      </p:ext>
+    </p:extLst>
+  </p:cSld>
+  <p:clrMapOvr>
+    <a:masterClrMapping/>
+  </p:clrMapOvr>
+</p:sldLayout>
+</file>
+
+<file path=ppt/slideLayouts/slideLayout4.xml><?xml version="1.0" encoding="utf-8"?>
+<p:sldLayout xmlns:a="http://schemas.openxmlformats.org/drawingml/2006/main" xmlns:r="http://schemas.openxmlformats.org/officeDocument/2006/relationships" xmlns:p="http://schemas.openxmlformats.org/presentationml/2006/main" type="twoTxTwoObj" preserve="1">
+  <p:cSld name="Comparison">
+    <p:spTree>
+      <p:nvGrpSpPr>
+        <p:cNvPr id="1" name=""/>
+        <p:cNvGrpSpPr/>
+        <p:nvPr/>
+      </p:nvGrpSpPr>
+      <p:grpSpPr>
+        <a:xfrm>
+          <a:off x="0" y="0"/>
+          <a:ext cx="0" cy="0"/>
+          <a:chOff x="0" y="0"/>
+          <a:chExt cx="0" cy="0"/>
+        </a:xfrm>
+      </p:grpSpPr>
+      <p:sp>
+        <p:nvSpPr>
+          <p:cNvPr id="2" name="Title 1"/>
+          <p:cNvSpPr>
+            <a:spLocks noGrp="1"/>
+          </p:cNvSpPr>
+          <p:nvPr>
+            <p:ph type="title"/>
+          </p:nvPr>
+        </p:nvSpPr>
+        <p:spPr/>
+        <p:txBody>
+          <a:bodyPr/>
+          <a:lstStyle>
+            <a:lvl1pPr>
+              <a:defRPr/>
+            </a:lvl1pPr>
+          </a:lstStyle>
+          <a:p>
+            <a:r>
+              <a:rPr lang="en-US"/>
+              <a:t>Click to edit Master title style</a:t>
+            </a:r>
+            <a:endParaRPr lang="ru-RU" dirty="0"/>
+          </a:p>
+        </p:txBody>
+      </p:sp>
+      <p:sp>
+        <p:nvSpPr>
+          <p:cNvPr id="3" name="Text Placeholder 2"/>
+          <p:cNvSpPr>
+            <a:spLocks noGrp="1"/>
+          </p:cNvSpPr>
+          <p:nvPr>
+            <p:ph type="body" idx="1"/>
+          </p:nvPr>
+        </p:nvSpPr>
+        <p:spPr>
+          <a:xfrm>
+            <a:off x="457200" y="1535113"/>
+            <a:ext cx="4040188" cy="639762"/>
+          </a:xfrm>
+        </p:spPr>
+        <p:txBody>
+          <a:bodyPr anchor="b"/>
+          <a:lstStyle>
+            <a:lvl1pPr marL="0" indent="0">
+              <a:buNone/>
+              <a:defRPr sz="2400" b="1"/>
+            </a:lvl1pPr>
+            <a:lvl2pPr marL="457200" indent="0">
+              <a:buNone/>
+              <a:defRPr sz="2000" b="1"/>
+            </a:lvl2pPr>
+            <a:lvl3pPr marL="914400" indent="0">
+              <a:buNone/>
+              <a:defRPr sz="1800" b="1"/>
+            </a:lvl3pPr>
+            <a:lvl4pPr marL="1371600" indent="0">
+              <a:buNone/>
+              <a:defRPr sz="1600" b="1"/>
+            </a:lvl4pPr>
+            <a:lvl5pPr marL="1828800" indent="0">
+              <a:buNone/>
+              <a:defRPr sz="1600" b="1"/>
+            </a:lvl5pPr>
+            <a:lvl6pPr marL="2286000" indent="0">
+              <a:buNone/>
+              <a:defRPr sz="1600" b="1"/>
+            </a:lvl6pPr>
+            <a:lvl7pPr marL="2743200" indent="0">
+              <a:buNone/>
+              <a:defRPr sz="1600" b="1"/>
+            </a:lvl7pPr>
+            <a:lvl8pPr marL="3200400" indent="0">
+              <a:buNone/>
+              <a:defRPr sz="1600" b="1"/>
+            </a:lvl8pPr>
+            <a:lvl9pPr marL="3657600" indent="0">
+              <a:buNone/>
+              <a:defRPr sz="1600" b="1"/>
+            </a:lvl9pPr>
+          </a:lstStyle>
+          <a:p>
+            <a:pPr lvl="0"/>
+            <a:r>
+              <a:rPr lang="en-US"/>
+              <a:t>Click to edit Master text styles</a:t>
+            </a:r>
+          </a:p>
+        </p:txBody>
+      </p:sp>
+      <p:sp>
+        <p:nvSpPr>
+          <p:cNvPr id="4" name="Content Placeholder 3"/>
+          <p:cNvSpPr>
+            <a:spLocks noGrp="1"/>
+          </p:cNvSpPr>
+          <p:nvPr>
+            <p:ph sz="half" idx="2"/>
+          </p:nvPr>
+        </p:nvSpPr>
+        <p:spPr>
+          <a:xfrm>
+            <a:off x="457200" y="2174875"/>
+            <a:ext cx="4040188" cy="3951288"/>
+          </a:xfrm>
+        </p:spPr>
+        <p:txBody>
+          <a:bodyPr/>
+          <a:lstStyle>
+            <a:lvl1pPr>
+              <a:defRPr sz="2400"/>
+            </a:lvl1pPr>
+            <a:lvl2pPr>
+              <a:defRPr sz="2000"/>
+            </a:lvl2pPr>
+            <a:lvl3pPr>
+              <a:defRPr sz="1800"/>
+            </a:lvl3pPr>
+            <a:lvl4pPr>
+              <a:defRPr sz="1600"/>
+            </a:lvl4pPr>
+            <a:lvl5pPr>
+              <a:defRPr sz="1600"/>
+            </a:lvl5pPr>
+            <a:lvl6pPr>
+              <a:defRPr sz="1600"/>
+            </a:lvl6pPr>
+            <a:lvl7pPr>
+              <a:defRPr sz="1600"/>
+            </a:lvl7pPr>
+            <a:lvl8pPr>
+              <a:defRPr sz="1600"/>
+            </a:lvl8pPr>
+            <a:lvl9pPr>
+              <a:defRPr sz="1600"/>
+            </a:lvl9pPr>
+          </a:lstStyle>
+          <a:p>
+            <a:pPr lvl="0"/>
+            <a:r>
+              <a:rPr lang="en-US"/>
+              <a:t>Click to edit Master text styles</a:t>
+            </a:r>
+          </a:p>
+          <a:p>
+            <a:pPr lvl="1"/>
+            <a:r>
+              <a:rPr lang="en-US"/>
+              <a:t>Second level</a:t>
+            </a:r>
+          </a:p>
+          <a:p>
+            <a:pPr lvl="2"/>
+            <a:r>
+              <a:rPr lang="en-US"/>
+              <a:t>Third level</a:t>
+            </a:r>
+          </a:p>
+          <a:p>
+            <a:pPr lvl="3"/>
+            <a:r>
+              <a:rPr lang="en-US"/>
+              <a:t>Fourth level</a:t>
+            </a:r>
+          </a:p>
+          <a:p>
+            <a:pPr lvl="4"/>
+            <a:r>
+              <a:rPr lang="en-US"/>
+              <a:t>Fifth level</a:t>
+            </a:r>
+            <a:endParaRPr lang="ru-RU" dirty="0"/>
+          </a:p>
+        </p:txBody>
+      </p:sp>
+      <p:sp>
+        <p:nvSpPr>
+          <p:cNvPr id="5" name="Text Placeholder 4"/>
+          <p:cNvSpPr>
+            <a:spLocks noGrp="1"/>
+          </p:cNvSpPr>
+          <p:nvPr>
+            <p:ph type="body" sz="quarter" idx="3"/>
+          </p:nvPr>
+        </p:nvSpPr>
+        <p:spPr>
+          <a:xfrm>
+            <a:off x="4645025" y="1535113"/>
+            <a:ext cx="4041775" cy="639762"/>
+          </a:xfrm>
+        </p:spPr>
+        <p:txBody>
+          <a:bodyPr anchor="b"/>
+          <a:lstStyle>
+            <a:lvl1pPr marL="0" indent="0">
+              <a:buNone/>
+              <a:defRPr sz="2400" b="1"/>
+            </a:lvl1pPr>
+            <a:lvl2pPr marL="457200" indent="0">
+              <a:buNone/>
+              <a:defRPr sz="2000" b="1"/>
+            </a:lvl2pPr>
+            <a:lvl3pPr marL="914400" indent="0">
+              <a:buNone/>
+              <a:defRPr sz="1800" b="1"/>
+            </a:lvl3pPr>
+            <a:lvl4pPr marL="1371600" indent="0">
+              <a:buNone/>
+              <a:defRPr sz="1600" b="1"/>
+            </a:lvl4pPr>
+            <a:lvl5pPr marL="1828800" indent="0">
+              <a:buNone/>
+              <a:defRPr sz="1600" b="1"/>
+            </a:lvl5pPr>
+            <a:lvl6pPr marL="2286000" indent="0">
+              <a:buNone/>
+              <a:defRPr sz="1600" b="1"/>
+            </a:lvl6pPr>
+            <a:lvl7pPr marL="2743200" indent="0">
+              <a:buNone/>
+              <a:defRPr sz="1600" b="1"/>
+            </a:lvl7pPr>
+            <a:lvl8pPr marL="3200400" indent="0">
+              <a:buNone/>
+              <a:defRPr sz="1600" b="1"/>
+            </a:lvl8pPr>
+            <a:lvl9pPr marL="3657600" indent="0">
+              <a:buNone/>
+              <a:defRPr sz="1600" b="1"/>
+            </a:lvl9pPr>
+          </a:lstStyle>
+          <a:p>
+            <a:pPr lvl="0"/>
+            <a:r>
+              <a:rPr lang="en-US"/>
+              <a:t>Click to edit Master text styles</a:t>
+            </a:r>
+          </a:p>
+        </p:txBody>
+      </p:sp>
+      <p:sp>
+        <p:nvSpPr>
+          <p:cNvPr id="6" name="Content Placeholder 5"/>
+          <p:cNvSpPr>
+            <a:spLocks noGrp="1"/>
+          </p:cNvSpPr>
+          <p:nvPr>
+            <p:ph sz="quarter" idx="4"/>
+          </p:nvPr>
+        </p:nvSpPr>
+        <p:spPr>
+          <a:xfrm>
+            <a:off x="4645025" y="2174875"/>
+            <a:ext cx="4041775" cy="3951288"/>
+          </a:xfrm>
+        </p:spPr>
+        <p:txBody>
+          <a:bodyPr/>
+          <a:lstStyle>
+            <a:lvl1pPr>
+              <a:defRPr sz="2400"/>
+            </a:lvl1pPr>
+            <a:lvl2pPr>
+              <a:defRPr sz="2000"/>
+            </a:lvl2pPr>
+            <a:lvl3pPr>
+              <a:defRPr sz="1800"/>
+            </a:lvl3pPr>
+            <a:lvl4pPr>
+              <a:defRPr sz="1600"/>
+            </a:lvl4pPr>
+            <a:lvl5pPr>
+              <a:defRPr sz="1600"/>
+            </a:lvl5pPr>
+            <a:lvl6pPr>
+              <a:defRPr sz="1600"/>
+            </a:lvl6pPr>
+            <a:lvl7pPr>
+              <a:defRPr sz="1600"/>
+            </a:lvl7pPr>
+            <a:lvl8pPr>
+              <a:defRPr sz="1600"/>
+            </a:lvl8pPr>
+            <a:lvl9pPr>
+              <a:defRPr sz="1600"/>
+            </a:lvl9pPr>
+          </a:lstStyle>
+          <a:p>
+            <a:pPr lvl="0"/>
+            <a:r>
+              <a:rPr lang="en-US"/>
+              <a:t>Click to edit Master text styles</a:t>
+            </a:r>
+          </a:p>
+          <a:p>
+            <a:pPr lvl="1"/>
+            <a:r>
+              <a:rPr lang="en-US"/>
+              <a:t>Second level</a:t>
+            </a:r>
+          </a:p>
+          <a:p>
+            <a:pPr lvl="2"/>
+            <a:r>
+              <a:rPr lang="en-US"/>
+              <a:t>Third level</a:t>
+            </a:r>
+          </a:p>
+          <a:p>
+            <a:pPr lvl="3"/>
+            <a:r>
+              <a:rPr lang="en-US"/>
+              <a:t>Fourth level</a:t>
+            </a:r>
+          </a:p>
+          <a:p>
+            <a:pPr lvl="4"/>
+            <a:r>
+              <a:rPr lang="en-US"/>
+              <a:t>Fifth level</a:t>
+            </a:r>
+            <a:endParaRPr lang="ru-RU" dirty="0"/>
+          </a:p>
+        </p:txBody>
+      </p:sp>
+    </p:spTree>
+    <p:extLst>
+      <p:ext uri="{BB962C8B-B14F-4D97-AF65-F5344CB8AC3E}">
+        <p14:creationId xmlns:p14="http://schemas.microsoft.com/office/powerpoint/2010/main" val="4044979405"/>
+      </p:ext>
+    </p:extLst>
+  </p:cSld>
+  <p:clrMapOvr>
+    <a:masterClrMapping/>
+  </p:clrMapOvr>
+</p:sldLayout>
+</file>
+
+<file path=ppt/slideLayouts/slideLayout5.xml><?xml version="1.0" encoding="utf-8"?>
+<p:sldLayout xmlns:a="http://schemas.openxmlformats.org/drawingml/2006/main" xmlns:r="http://schemas.openxmlformats.org/officeDocument/2006/relationships" xmlns:p="http://schemas.openxmlformats.org/presentationml/2006/main" type="titleOnly" preserve="1">
+  <p:cSld name="Title Only">
+    <p:spTree>
+      <p:nvGrpSpPr>
+        <p:cNvPr id="1" name=""/>
+        <p:cNvGrpSpPr/>
+        <p:nvPr/>
+      </p:nvGrpSpPr>
+      <p:grpSpPr>
+        <a:xfrm>
+          <a:off x="0" y="0"/>
+          <a:ext cx="0" cy="0"/>
+          <a:chOff x="0" y="0"/>
+          <a:chExt cx="0" cy="0"/>
+        </a:xfrm>
+      </p:grpSpPr>
+      <p:sp>
+        <p:nvSpPr>
+          <p:cNvPr id="2" name="Title 1"/>
+          <p:cNvSpPr>
+            <a:spLocks noGrp="1"/>
+          </p:cNvSpPr>
+          <p:nvPr>
+            <p:ph type="title"/>
+          </p:nvPr>
+        </p:nvSpPr>
+        <p:spPr/>
+        <p:txBody>
+          <a:bodyPr/>
+          <a:lstStyle/>
+          <a:p>
+            <a:r>
+              <a:rPr lang="en-US"/>
+              <a:t>Click to edit Master title style</a:t>
+            </a:r>
+            <a:endParaRPr lang="ru-RU" dirty="0"/>
+          </a:p>
+        </p:txBody>
+      </p:sp>
+    </p:spTree>
+    <p:extLst>
+      <p:ext uri="{BB962C8B-B14F-4D97-AF65-F5344CB8AC3E}">
+        <p14:creationId xmlns:p14="http://schemas.microsoft.com/office/powerpoint/2010/main" val="125202666"/>
+      </p:ext>
+    </p:extLst>
+  </p:cSld>
+  <p:clrMapOvr>
+    <a:masterClrMapping/>
+  </p:clrMapOvr>
+</p:sldLayout>
+</file>
+
+<file path=ppt/slideLayouts/slideLayout6.xml><?xml version="1.0" encoding="utf-8"?>
+<p:sldLayout xmlns:a="http://schemas.openxmlformats.org/drawingml/2006/main" xmlns:r="http://schemas.openxmlformats.org/officeDocument/2006/relationships" xmlns:p="http://schemas.openxmlformats.org/presentationml/2006/main" preserve="1" userDrawn="1">
+  <p:cSld name="Demo">
+    <p:spTree>
+      <p:nvGrpSpPr>
+        <p:cNvPr id="1" name=""/>
+        <p:cNvGrpSpPr/>
+        <p:nvPr/>
+      </p:nvGrpSpPr>
+      <p:grpSpPr>
+        <a:xfrm>
+          <a:off x="0" y="0"/>
+          <a:ext cx="0" cy="0"/>
+          <a:chOff x="0" y="0"/>
+          <a:chExt cx="0" cy="0"/>
+        </a:xfrm>
+      </p:grpSpPr>
+      <p:sp>
+        <p:nvSpPr>
+          <p:cNvPr id="10" name="TextBox 9"/>
+          <p:cNvSpPr txBox="1"/>
+          <p:nvPr userDrawn="1"/>
+        </p:nvSpPr>
+        <p:spPr>
+          <a:xfrm>
+            <a:off x="359532" y="3136613"/>
+            <a:ext cx="8424936" cy="584775"/>
+          </a:xfrm>
+          <a:prstGeom prst="rect">
+            <a:avLst/>
+          </a:prstGeom>
+          <a:noFill/>
+        </p:spPr>
+        <p:txBody>
+          <a:bodyPr wrap="square" rtlCol="0" anchor="ctr">
+            <a:spAutoFit/>
+          </a:bodyPr>
+          <a:lstStyle/>
+          <a:p>
+            <a:pPr algn="ctr"/>
+            <a:r>
+              <a:rPr lang="ru-RU" sz="3200" dirty="0"/>
+              <a:t>Название.</a:t>
+            </a:r>
+            <a:r>
+              <a:rPr lang="ru-RU" sz="3200" baseline="0" dirty="0"/>
+              <a:t> Демонстрация.</a:t>
+            </a:r>
+            <a:endParaRPr lang="ru-RU" sz="3200" dirty="0"/>
+          </a:p>
+        </p:txBody>
+      </p:sp>
+    </p:spTree>
+    <p:extLst>
+      <p:ext uri="{BB962C8B-B14F-4D97-AF65-F5344CB8AC3E}">
+        <p14:creationId xmlns:p14="http://schemas.microsoft.com/office/powerpoint/2010/main" val="3308008441"/>
+      </p:ext>
+    </p:extLst>
+  </p:cSld>
+  <p:clrMapOvr>
+    <a:masterClrMapping/>
+  </p:clrMapOvr>
+</p:sldLayout>
+</file>
+
+<file path=ppt/slideLayouts/slideLayout7.xml><?xml version="1.0" encoding="utf-8"?>
+<p:sldLayout xmlns:a="http://schemas.openxmlformats.org/drawingml/2006/main" xmlns:r="http://schemas.openxmlformats.org/officeDocument/2006/relationships" xmlns:p="http://schemas.openxmlformats.org/presentationml/2006/main" type="blank" preserve="1">
+  <p:cSld name="1_Blank">
+    <p:spTree>
+      <p:nvGrpSpPr>
+        <p:cNvPr id="1" name=""/>
+        <p:cNvGrpSpPr/>
+        <p:nvPr/>
+      </p:nvGrpSpPr>
+      <p:grpSpPr>
+        <a:xfrm>
+          <a:off x="0" y="0"/>
+          <a:ext cx="0" cy="0"/>
+          <a:chOff x="0" y="0"/>
+          <a:chExt cx="0" cy="0"/>
+        </a:xfrm>
+      </p:grpSpPr>
+    </p:spTree>
+    <p:extLst>
+      <p:ext uri="{BB962C8B-B14F-4D97-AF65-F5344CB8AC3E}">
+        <p14:creationId xmlns:p14="http://schemas.microsoft.com/office/powerpoint/2010/main" val="2618453949"/>
+      </p:ext>
+    </p:extLst>
+  </p:cSld>
+  <p:clrMapOvr>
+    <a:masterClrMapping/>
+  </p:clrMapOvr>
+</p:sldLayout>
+</file>
+
+<file path=ppt/slideLayouts/slideLayout8.xml><?xml version="1.0" encoding="utf-8"?>
 <p:sldLayout xmlns:a="http://schemas.openxmlformats.org/drawingml/2006/main" xmlns:r="http://schemas.openxmlformats.org/officeDocument/2006/relationships" xmlns:p="http://schemas.openxmlformats.org/presentationml/2006/main" type="objTx" preserve="1">
   <p:cSld name="Content with Caption">
     <p:spTree>
@@ -904,7 +2186,7 @@
 </p:sldLayout>
 </file>
 
-<file path=ppt/slideLayouts/slideLayout11.xml><?xml version="1.0" encoding="utf-8"?>
+<file path=ppt/slideLayouts/slideLayout9.xml><?xml version="1.0" encoding="utf-8"?>
 <p:sldLayout xmlns:a="http://schemas.openxmlformats.org/drawingml/2006/main" xmlns:r="http://schemas.openxmlformats.org/officeDocument/2006/relationships" xmlns:p="http://schemas.openxmlformats.org/presentationml/2006/main" type="picTx" preserve="1">
   <p:cSld name="Picture with Caption">
     <p:spTree>
@@ -1096,1683 +2378,13 @@
 </p:sldLayout>
 </file>
 
-<file path=ppt/slideLayouts/slideLayout12.xml><?xml version="1.0" encoding="utf-8"?>
-<p:sldLayout xmlns:a="http://schemas.openxmlformats.org/drawingml/2006/main" xmlns:r="http://schemas.openxmlformats.org/officeDocument/2006/relationships" xmlns:p="http://schemas.openxmlformats.org/presentationml/2006/main" type="vertTx" preserve="1">
-  <p:cSld name="Title and Vertical Text">
-    <p:spTree>
-      <p:nvGrpSpPr>
-        <p:cNvPr id="1" name=""/>
-        <p:cNvGrpSpPr/>
-        <p:nvPr/>
-      </p:nvGrpSpPr>
-      <p:grpSpPr>
-        <a:xfrm>
-          <a:off x="0" y="0"/>
-          <a:ext cx="0" cy="0"/>
-          <a:chOff x="0" y="0"/>
-          <a:chExt cx="0" cy="0"/>
-        </a:xfrm>
-      </p:grpSpPr>
-      <p:sp>
-        <p:nvSpPr>
-          <p:cNvPr id="2" name="Title 1"/>
-          <p:cNvSpPr>
-            <a:spLocks noGrp="1"/>
-          </p:cNvSpPr>
-          <p:nvPr>
-            <p:ph type="title"/>
-          </p:nvPr>
-        </p:nvSpPr>
-        <p:spPr/>
-        <p:txBody>
-          <a:bodyPr/>
-          <a:lstStyle/>
-          <a:p>
-            <a:r>
-              <a:rPr lang="en-US"/>
-              <a:t>Click to edit Master title style</a:t>
-            </a:r>
-            <a:endParaRPr lang="ru-RU" dirty="0"/>
-          </a:p>
-        </p:txBody>
-      </p:sp>
-      <p:sp>
-        <p:nvSpPr>
-          <p:cNvPr id="3" name="Vertical Text Placeholder 2"/>
-          <p:cNvSpPr>
-            <a:spLocks noGrp="1"/>
-          </p:cNvSpPr>
-          <p:nvPr>
-            <p:ph type="body" orient="vert" idx="1"/>
-          </p:nvPr>
-        </p:nvSpPr>
-        <p:spPr/>
-        <p:txBody>
-          <a:bodyPr vert="eaVert"/>
-          <a:lstStyle/>
-          <a:p>
-            <a:pPr lvl="0"/>
-            <a:r>
-              <a:rPr lang="en-US"/>
-              <a:t>Click to edit Master text styles</a:t>
-            </a:r>
-          </a:p>
-          <a:p>
-            <a:pPr lvl="1"/>
-            <a:r>
-              <a:rPr lang="en-US"/>
-              <a:t>Second level</a:t>
-            </a:r>
-          </a:p>
-          <a:p>
-            <a:pPr lvl="2"/>
-            <a:r>
-              <a:rPr lang="en-US"/>
-              <a:t>Third level</a:t>
-            </a:r>
-          </a:p>
-          <a:p>
-            <a:pPr lvl="3"/>
-            <a:r>
-              <a:rPr lang="en-US"/>
-              <a:t>Fourth level</a:t>
-            </a:r>
-          </a:p>
-          <a:p>
-            <a:pPr lvl="4"/>
-            <a:r>
-              <a:rPr lang="en-US"/>
-              <a:t>Fifth level</a:t>
-            </a:r>
-            <a:endParaRPr lang="ru-RU" dirty="0"/>
-          </a:p>
-        </p:txBody>
-      </p:sp>
-    </p:spTree>
-    <p:extLst>
-      <p:ext uri="{BB962C8B-B14F-4D97-AF65-F5344CB8AC3E}">
-        <p14:creationId xmlns:p14="http://schemas.microsoft.com/office/powerpoint/2010/main" val="2015559697"/>
-      </p:ext>
-    </p:extLst>
-  </p:cSld>
-  <p:clrMapOvr>
-    <a:masterClrMapping/>
-  </p:clrMapOvr>
-</p:sldLayout>
-</file>
-
-<file path=ppt/slideLayouts/slideLayout13.xml><?xml version="1.0" encoding="utf-8"?>
-<p:sldLayout xmlns:a="http://schemas.openxmlformats.org/drawingml/2006/main" xmlns:r="http://schemas.openxmlformats.org/officeDocument/2006/relationships" xmlns:p="http://schemas.openxmlformats.org/presentationml/2006/main" type="vertTitleAndTx" preserve="1">
-  <p:cSld name="Vertical Title and Text">
-    <p:spTree>
-      <p:nvGrpSpPr>
-        <p:cNvPr id="1" name=""/>
-        <p:cNvGrpSpPr/>
-        <p:nvPr/>
-      </p:nvGrpSpPr>
-      <p:grpSpPr>
-        <a:xfrm>
-          <a:off x="0" y="0"/>
-          <a:ext cx="0" cy="0"/>
-          <a:chOff x="0" y="0"/>
-          <a:chExt cx="0" cy="0"/>
-        </a:xfrm>
-      </p:grpSpPr>
-      <p:sp>
-        <p:nvSpPr>
-          <p:cNvPr id="2" name="Vertical Title 1"/>
-          <p:cNvSpPr>
-            <a:spLocks noGrp="1"/>
-          </p:cNvSpPr>
-          <p:nvPr>
-            <p:ph type="title" orient="vert"/>
-          </p:nvPr>
-        </p:nvSpPr>
-        <p:spPr>
-          <a:xfrm>
-            <a:off x="6629400" y="274638"/>
-            <a:ext cx="2057400" cy="5851525"/>
-          </a:xfrm>
-        </p:spPr>
-        <p:txBody>
-          <a:bodyPr vert="eaVert"/>
-          <a:lstStyle/>
-          <a:p>
-            <a:r>
-              <a:rPr lang="en-US"/>
-              <a:t>Click to edit Master title style</a:t>
-            </a:r>
-            <a:endParaRPr lang="ru-RU" dirty="0"/>
-          </a:p>
-        </p:txBody>
-      </p:sp>
-      <p:sp>
-        <p:nvSpPr>
-          <p:cNvPr id="3" name="Vertical Text Placeholder 2"/>
-          <p:cNvSpPr>
-            <a:spLocks noGrp="1"/>
-          </p:cNvSpPr>
-          <p:nvPr>
-            <p:ph type="body" orient="vert" idx="1"/>
-          </p:nvPr>
-        </p:nvSpPr>
-        <p:spPr>
-          <a:xfrm>
-            <a:off x="457200" y="274638"/>
-            <a:ext cx="6019800" cy="5851525"/>
-          </a:xfrm>
-        </p:spPr>
-        <p:txBody>
-          <a:bodyPr vert="eaVert"/>
-          <a:lstStyle/>
-          <a:p>
-            <a:pPr lvl="0"/>
-            <a:r>
-              <a:rPr lang="en-US"/>
-              <a:t>Click to edit Master text styles</a:t>
-            </a:r>
-          </a:p>
-          <a:p>
-            <a:pPr lvl="1"/>
-            <a:r>
-              <a:rPr lang="en-US"/>
-              <a:t>Second level</a:t>
-            </a:r>
-          </a:p>
-          <a:p>
-            <a:pPr lvl="2"/>
-            <a:r>
-              <a:rPr lang="en-US"/>
-              <a:t>Third level</a:t>
-            </a:r>
-          </a:p>
-          <a:p>
-            <a:pPr lvl="3"/>
-            <a:r>
-              <a:rPr lang="en-US"/>
-              <a:t>Fourth level</a:t>
-            </a:r>
-          </a:p>
-          <a:p>
-            <a:pPr lvl="4"/>
-            <a:r>
-              <a:rPr lang="en-US"/>
-              <a:t>Fifth level</a:t>
-            </a:r>
-            <a:endParaRPr lang="ru-RU" dirty="0"/>
-          </a:p>
-        </p:txBody>
-      </p:sp>
-    </p:spTree>
-    <p:extLst>
-      <p:ext uri="{BB962C8B-B14F-4D97-AF65-F5344CB8AC3E}">
-        <p14:creationId xmlns:p14="http://schemas.microsoft.com/office/powerpoint/2010/main" val="370514854"/>
-      </p:ext>
-    </p:extLst>
-  </p:cSld>
-  <p:clrMapOvr>
-    <a:masterClrMapping/>
-  </p:clrMapOvr>
-</p:sldLayout>
-</file>
-
-<file path=ppt/slideLayouts/slideLayout14.xml><?xml version="1.0" encoding="utf-8"?>
-<p:sldLayout xmlns:a="http://schemas.openxmlformats.org/drawingml/2006/main" xmlns:r="http://schemas.openxmlformats.org/officeDocument/2006/relationships" xmlns:p="http://schemas.openxmlformats.org/presentationml/2006/main" type="title">
-  <p:cSld name="2_Title Slide">
-    <p:spTree>
-      <p:nvGrpSpPr>
-        <p:cNvPr id="1" name=""/>
-        <p:cNvGrpSpPr/>
-        <p:nvPr/>
-      </p:nvGrpSpPr>
-      <p:grpSpPr>
-        <a:xfrm>
-          <a:off x="0" y="0"/>
-          <a:ext cx="0" cy="0"/>
-          <a:chOff x="0" y="0"/>
-          <a:chExt cx="0" cy="0"/>
-        </a:xfrm>
-      </p:grpSpPr>
-      <p:sp>
-        <p:nvSpPr>
-          <p:cNvPr id="2" name="Title 1"/>
-          <p:cNvSpPr>
-            <a:spLocks noGrp="1"/>
-          </p:cNvSpPr>
-          <p:nvPr>
-            <p:ph type="ctrTitle"/>
-          </p:nvPr>
-        </p:nvSpPr>
-        <p:spPr>
-          <a:xfrm>
-            <a:off x="685800" y="2130425"/>
-            <a:ext cx="7772400" cy="1470025"/>
-          </a:xfrm>
-        </p:spPr>
-        <p:txBody>
-          <a:bodyPr/>
-          <a:lstStyle/>
-          <a:p>
-            <a:r>
-              <a:rPr lang="en-US"/>
-              <a:t>Click to edit Master title style</a:t>
-            </a:r>
-            <a:endParaRPr lang="ru-RU"/>
-          </a:p>
-        </p:txBody>
-      </p:sp>
-      <p:sp>
-        <p:nvSpPr>
-          <p:cNvPr id="3" name="Subtitle 2"/>
-          <p:cNvSpPr>
-            <a:spLocks noGrp="1"/>
-          </p:cNvSpPr>
-          <p:nvPr>
-            <p:ph type="subTitle" idx="1"/>
-          </p:nvPr>
-        </p:nvSpPr>
-        <p:spPr>
-          <a:xfrm>
-            <a:off x="1371600" y="3886200"/>
-            <a:ext cx="6400800" cy="1752600"/>
-          </a:xfrm>
-        </p:spPr>
-        <p:txBody>
-          <a:bodyPr/>
-          <a:lstStyle>
-            <a:lvl1pPr marL="0" indent="0" algn="ctr">
-              <a:buNone/>
-              <a:defRPr>
-                <a:solidFill>
-                  <a:schemeClr val="tx1">
-                    <a:tint val="75000"/>
-                  </a:schemeClr>
-                </a:solidFill>
-              </a:defRPr>
-            </a:lvl1pPr>
-            <a:lvl2pPr marL="457200" indent="0" algn="ctr">
-              <a:buNone/>
-              <a:defRPr>
-                <a:solidFill>
-                  <a:schemeClr val="tx1">
-                    <a:tint val="75000"/>
-                  </a:schemeClr>
-                </a:solidFill>
-              </a:defRPr>
-            </a:lvl2pPr>
-            <a:lvl3pPr marL="914400" indent="0" algn="ctr">
-              <a:buNone/>
-              <a:defRPr>
-                <a:solidFill>
-                  <a:schemeClr val="tx1">
-                    <a:tint val="75000"/>
-                  </a:schemeClr>
-                </a:solidFill>
-              </a:defRPr>
-            </a:lvl3pPr>
-            <a:lvl4pPr marL="1371600" indent="0" algn="ctr">
-              <a:buNone/>
-              <a:defRPr>
-                <a:solidFill>
-                  <a:schemeClr val="tx1">
-                    <a:tint val="75000"/>
-                  </a:schemeClr>
-                </a:solidFill>
-              </a:defRPr>
-            </a:lvl4pPr>
-            <a:lvl5pPr marL="1828800" indent="0" algn="ctr">
-              <a:buNone/>
-              <a:defRPr>
-                <a:solidFill>
-                  <a:schemeClr val="tx1">
-                    <a:tint val="75000"/>
-                  </a:schemeClr>
-                </a:solidFill>
-              </a:defRPr>
-            </a:lvl5pPr>
-            <a:lvl6pPr marL="2286000" indent="0" algn="ctr">
-              <a:buNone/>
-              <a:defRPr>
-                <a:solidFill>
-                  <a:schemeClr val="tx1">
-                    <a:tint val="75000"/>
-                  </a:schemeClr>
-                </a:solidFill>
-              </a:defRPr>
-            </a:lvl6pPr>
-            <a:lvl7pPr marL="2743200" indent="0" algn="ctr">
-              <a:buNone/>
-              <a:defRPr>
-                <a:solidFill>
-                  <a:schemeClr val="tx1">
-                    <a:tint val="75000"/>
-                  </a:schemeClr>
-                </a:solidFill>
-              </a:defRPr>
-            </a:lvl7pPr>
-            <a:lvl8pPr marL="3200400" indent="0" algn="ctr">
-              <a:buNone/>
-              <a:defRPr>
-                <a:solidFill>
-                  <a:schemeClr val="tx1">
-                    <a:tint val="75000"/>
-                  </a:schemeClr>
-                </a:solidFill>
-              </a:defRPr>
-            </a:lvl8pPr>
-            <a:lvl9pPr marL="3657600" indent="0" algn="ctr">
-              <a:buNone/>
-              <a:defRPr>
-                <a:solidFill>
-                  <a:schemeClr val="tx1">
-                    <a:tint val="75000"/>
-                  </a:schemeClr>
-                </a:solidFill>
-              </a:defRPr>
-            </a:lvl9pPr>
-          </a:lstStyle>
-          <a:p>
-            <a:r>
-              <a:rPr lang="en-US"/>
-              <a:t>Click to edit Master subtitle style</a:t>
-            </a:r>
-            <a:endParaRPr lang="ru-RU"/>
-          </a:p>
-        </p:txBody>
-      </p:sp>
-      <p:sp>
-        <p:nvSpPr>
-          <p:cNvPr id="4" name="Date Placeholder 3"/>
-          <p:cNvSpPr>
-            <a:spLocks noGrp="1"/>
-          </p:cNvSpPr>
-          <p:nvPr>
-            <p:ph type="dt" sz="half" idx="10"/>
-          </p:nvPr>
-        </p:nvSpPr>
-        <p:spPr/>
-        <p:txBody>
-          <a:bodyPr/>
-          <a:lstStyle/>
-          <a:p>
-            <a:fld id="{8E6E6A2A-E9D3-4A0D-B04A-ABDD367A1E08}" type="datetimeFigureOut">
-              <a:rPr lang="ru-RU" smtClean="0"/>
-              <a:t>01.07.2018</a:t>
-            </a:fld>
-            <a:endParaRPr lang="ru-RU"/>
-          </a:p>
-        </p:txBody>
-      </p:sp>
-      <p:sp>
-        <p:nvSpPr>
-          <p:cNvPr id="5" name="Footer Placeholder 4"/>
-          <p:cNvSpPr>
-            <a:spLocks noGrp="1"/>
-          </p:cNvSpPr>
-          <p:nvPr>
-            <p:ph type="ftr" sz="quarter" idx="11"/>
-          </p:nvPr>
-        </p:nvSpPr>
-        <p:spPr/>
-        <p:txBody>
-          <a:bodyPr/>
-          <a:lstStyle/>
-          <a:p>
-            <a:endParaRPr lang="ru-RU"/>
-          </a:p>
-        </p:txBody>
-      </p:sp>
-      <p:sp>
-        <p:nvSpPr>
-          <p:cNvPr id="6" name="Slide Number Placeholder 5"/>
-          <p:cNvSpPr>
-            <a:spLocks noGrp="1"/>
-          </p:cNvSpPr>
-          <p:nvPr>
-            <p:ph type="sldNum" sz="quarter" idx="12"/>
-          </p:nvPr>
-        </p:nvSpPr>
-        <p:spPr/>
-        <p:txBody>
-          <a:bodyPr/>
-          <a:lstStyle/>
-          <a:p>
-            <a:fld id="{BC0D3D34-2E8A-4A38-B864-C677BA056495}" type="slidenum">
-              <a:rPr lang="ru-RU" smtClean="0"/>
-              <a:t>‹#›</a:t>
-            </a:fld>
-            <a:endParaRPr lang="ru-RU"/>
-          </a:p>
-        </p:txBody>
-      </p:sp>
-    </p:spTree>
-    <p:extLst>
-      <p:ext uri="{BB962C8B-B14F-4D97-AF65-F5344CB8AC3E}">
-        <p14:creationId xmlns:p14="http://schemas.microsoft.com/office/powerpoint/2010/main" val="4222294974"/>
-      </p:ext>
-    </p:extLst>
-  </p:cSld>
-  <p:clrMapOvr>
-    <a:masterClrMapping/>
-  </p:clrMapOvr>
-</p:sldLayout>
-</file>
-
-<file path=ppt/slideLayouts/slideLayout2.xml><?xml version="1.0" encoding="utf-8"?>
-<p:sldLayout xmlns:a="http://schemas.openxmlformats.org/drawingml/2006/main" xmlns:r="http://schemas.openxmlformats.org/officeDocument/2006/relationships" xmlns:p="http://schemas.openxmlformats.org/presentationml/2006/main" preserve="1" userDrawn="1">
-  <p:cSld name="1_Title Slide">
-    <p:spTree>
-      <p:nvGrpSpPr>
-        <p:cNvPr id="1" name=""/>
-        <p:cNvGrpSpPr/>
-        <p:nvPr/>
-      </p:nvGrpSpPr>
-      <p:grpSpPr>
-        <a:xfrm>
-          <a:off x="0" y="0"/>
-          <a:ext cx="0" cy="0"/>
-          <a:chOff x="0" y="0"/>
-          <a:chExt cx="0" cy="0"/>
-        </a:xfrm>
-      </p:grpSpPr>
-      <p:sp>
-        <p:nvSpPr>
-          <p:cNvPr id="9" name="TextBox 8"/>
-          <p:cNvSpPr txBox="1"/>
-          <p:nvPr userDrawn="1"/>
-        </p:nvSpPr>
-        <p:spPr>
-          <a:xfrm>
-            <a:off x="2774873" y="2528900"/>
-            <a:ext cx="4240263" cy="461665"/>
-          </a:xfrm>
-          <a:prstGeom prst="rect">
-            <a:avLst/>
-          </a:prstGeom>
-          <a:noFill/>
-        </p:spPr>
-        <p:txBody>
-          <a:bodyPr wrap="none" rtlCol="0">
-            <a:spAutoFit/>
-          </a:bodyPr>
-          <a:lstStyle/>
-          <a:p>
-            <a:r>
-              <a:rPr lang="ru-RU" sz="2400" dirty="0">
-                <a:solidFill>
-                  <a:schemeClr val="bg1"/>
-                </a:solidFill>
-              </a:rPr>
-              <a:t>Занятие №</a:t>
-            </a:r>
-            <a:r>
-              <a:rPr lang="en-US" sz="2400" dirty="0">
-                <a:solidFill>
-                  <a:schemeClr val="bg1"/>
-                </a:solidFill>
-              </a:rPr>
-              <a:t>2</a:t>
-            </a:r>
-            <a:r>
-              <a:rPr lang="ru-RU" sz="2400" dirty="0">
-                <a:solidFill>
-                  <a:schemeClr val="bg1"/>
-                </a:solidFill>
-              </a:rPr>
-              <a:t>. Название занятия</a:t>
-            </a:r>
-            <a:endParaRPr lang="en-US" sz="2400" dirty="0">
-              <a:solidFill>
-                <a:schemeClr val="bg1"/>
-              </a:solidFill>
-            </a:endParaRPr>
-          </a:p>
-        </p:txBody>
-      </p:sp>
-      <p:sp>
-        <p:nvSpPr>
-          <p:cNvPr id="7" name="Rectangle 6"/>
-          <p:cNvSpPr/>
-          <p:nvPr userDrawn="1"/>
-        </p:nvSpPr>
-        <p:spPr>
-          <a:xfrm>
-            <a:off x="143508" y="1304764"/>
-            <a:ext cx="8856984" cy="646331"/>
-          </a:xfrm>
-          <a:prstGeom prst="rect">
-            <a:avLst/>
-          </a:prstGeom>
-        </p:spPr>
-        <p:txBody>
-          <a:bodyPr wrap="square">
-            <a:spAutoFit/>
-          </a:bodyPr>
-          <a:lstStyle/>
-          <a:p>
-            <a:pPr algn="ctr"/>
-            <a:r>
-              <a:rPr lang="ru-RU" sz="3600" b="1" i="1" dirty="0">
-                <a:solidFill>
-                  <a:schemeClr val="bg1"/>
-                </a:solidFill>
-              </a:rPr>
-              <a:t>Основы программирования на </a:t>
-            </a:r>
-            <a:r>
-              <a:rPr lang="en-US" sz="3600" b="1" i="1" dirty="0">
-                <a:solidFill>
-                  <a:schemeClr val="bg1"/>
-                </a:solidFill>
-              </a:rPr>
-              <a:t>C#</a:t>
-            </a:r>
-            <a:endParaRPr lang="ru-RU" sz="3600" b="1" i="1" dirty="0">
-              <a:solidFill>
-                <a:schemeClr val="bg1"/>
-              </a:solidFill>
-            </a:endParaRPr>
-          </a:p>
-        </p:txBody>
-      </p:sp>
-      <p:pic>
-        <p:nvPicPr>
-          <p:cNvPr id="8" name="Picture 5"/>
-          <p:cNvPicPr>
-            <a:picLocks noChangeAspect="1" noChangeArrowheads="1"/>
-          </p:cNvPicPr>
-          <p:nvPr userDrawn="1"/>
-        </p:nvPicPr>
-        <p:blipFill>
-          <a:blip r:embed="rId2">
-            <a:extLst>
-              <a:ext uri="{28A0092B-C50C-407E-A947-70E740481C1C}">
-                <a14:useLocalDpi xmlns:a14="http://schemas.microsoft.com/office/drawing/2010/main" val="0"/>
-              </a:ext>
-            </a:extLst>
-          </a:blip>
-          <a:srcRect/>
-          <a:stretch>
-            <a:fillRect/>
-          </a:stretch>
-        </p:blipFill>
-        <p:spPr bwMode="auto">
-          <a:xfrm>
-            <a:off x="1638300" y="3829211"/>
-            <a:ext cx="5867400" cy="1724025"/>
-          </a:xfrm>
-          <a:prstGeom prst="rect">
-            <a:avLst/>
-          </a:prstGeom>
-          <a:noFill/>
-          <a:ln>
-            <a:noFill/>
-          </a:ln>
-          <a:effectLst/>
-          <a:extLst>
-            <a:ext uri="{909E8E84-426E-40DD-AFC4-6F175D3DCCD1}">
-              <a14:hiddenFill xmlns:a14="http://schemas.microsoft.com/office/drawing/2010/main">
-                <a:solidFill>
-                  <a:schemeClr val="accent1"/>
-                </a:solidFill>
-              </a14:hiddenFill>
-            </a:ext>
-            <a:ext uri="{91240B29-F687-4F45-9708-019B960494DF}">
-              <a14:hiddenLine xmlns:a14="http://schemas.microsoft.com/office/drawing/2010/main" w="9525">
-                <a:solidFill>
-                  <a:schemeClr val="tx1"/>
-                </a:solidFill>
-                <a:miter lim="800000"/>
-                <a:headEnd/>
-                <a:tailEnd/>
-              </a14:hiddenLine>
-            </a:ext>
-            <a:ext uri="{AF507438-7753-43E0-B8FC-AC1667EBCBE1}">
-              <a14:hiddenEffects xmlns:a14="http://schemas.microsoft.com/office/drawing/2010/main">
-                <a:effectLst>
-                  <a:outerShdw dist="35921" dir="2700000" algn="ctr" rotWithShape="0">
-                    <a:schemeClr val="bg2"/>
-                  </a:outerShdw>
-                </a:effectLst>
-              </a14:hiddenEffects>
-            </a:ext>
-          </a:extLst>
-        </p:spPr>
-      </p:pic>
-    </p:spTree>
-    <p:extLst>
-      <p:ext uri="{BB962C8B-B14F-4D97-AF65-F5344CB8AC3E}">
-        <p14:creationId xmlns:p14="http://schemas.microsoft.com/office/powerpoint/2010/main" val="3296324981"/>
-      </p:ext>
-    </p:extLst>
-  </p:cSld>
-  <p:clrMapOvr>
-    <a:masterClrMapping/>
-  </p:clrMapOvr>
-</p:sldLayout>
-</file>
-
-<file path=ppt/slideLayouts/slideLayout3.xml><?xml version="1.0" encoding="utf-8"?>
-<p:sldLayout xmlns:a="http://schemas.openxmlformats.org/drawingml/2006/main" xmlns:r="http://schemas.openxmlformats.org/officeDocument/2006/relationships" xmlns:p="http://schemas.openxmlformats.org/presentationml/2006/main" type="obj" preserve="1">
-  <p:cSld name="Title and Content">
-    <p:spTree>
-      <p:nvGrpSpPr>
-        <p:cNvPr id="1" name=""/>
-        <p:cNvGrpSpPr/>
-        <p:nvPr/>
-      </p:nvGrpSpPr>
-      <p:grpSpPr>
-        <a:xfrm>
-          <a:off x="0" y="0"/>
-          <a:ext cx="0" cy="0"/>
-          <a:chOff x="0" y="0"/>
-          <a:chExt cx="0" cy="0"/>
-        </a:xfrm>
-      </p:grpSpPr>
-      <p:sp>
-        <p:nvSpPr>
-          <p:cNvPr id="2" name="Title 1"/>
-          <p:cNvSpPr>
-            <a:spLocks noGrp="1"/>
-          </p:cNvSpPr>
-          <p:nvPr>
-            <p:ph type="title"/>
-          </p:nvPr>
-        </p:nvSpPr>
-        <p:spPr/>
-        <p:txBody>
-          <a:bodyPr/>
-          <a:lstStyle/>
-          <a:p>
-            <a:r>
-              <a:rPr lang="en-US"/>
-              <a:t>Click to edit Master title style</a:t>
-            </a:r>
-            <a:endParaRPr lang="ru-RU" dirty="0"/>
-          </a:p>
-        </p:txBody>
-      </p:sp>
-      <p:sp>
-        <p:nvSpPr>
-          <p:cNvPr id="3" name="Content Placeholder 2"/>
-          <p:cNvSpPr>
-            <a:spLocks noGrp="1"/>
-          </p:cNvSpPr>
-          <p:nvPr>
-            <p:ph idx="1"/>
-          </p:nvPr>
-        </p:nvSpPr>
-        <p:spPr/>
-        <p:txBody>
-          <a:bodyPr/>
-          <a:lstStyle/>
-          <a:p>
-            <a:pPr lvl="0"/>
-            <a:r>
-              <a:rPr lang="en-US"/>
-              <a:t>Click to edit Master text styles</a:t>
-            </a:r>
-          </a:p>
-          <a:p>
-            <a:pPr lvl="1"/>
-            <a:r>
-              <a:rPr lang="en-US"/>
-              <a:t>Second level</a:t>
-            </a:r>
-          </a:p>
-          <a:p>
-            <a:pPr lvl="2"/>
-            <a:r>
-              <a:rPr lang="en-US"/>
-              <a:t>Third level</a:t>
-            </a:r>
-          </a:p>
-          <a:p>
-            <a:pPr lvl="3"/>
-            <a:r>
-              <a:rPr lang="en-US"/>
-              <a:t>Fourth level</a:t>
-            </a:r>
-          </a:p>
-          <a:p>
-            <a:pPr lvl="4"/>
-            <a:r>
-              <a:rPr lang="en-US"/>
-              <a:t>Fifth level</a:t>
-            </a:r>
-            <a:endParaRPr lang="ru-RU" dirty="0"/>
-          </a:p>
-        </p:txBody>
-      </p:sp>
-    </p:spTree>
-    <p:extLst>
-      <p:ext uri="{BB962C8B-B14F-4D97-AF65-F5344CB8AC3E}">
-        <p14:creationId xmlns:p14="http://schemas.microsoft.com/office/powerpoint/2010/main" val="3363467697"/>
-      </p:ext>
-    </p:extLst>
-  </p:cSld>
-  <p:clrMapOvr>
-    <a:masterClrMapping/>
-  </p:clrMapOvr>
-</p:sldLayout>
-</file>
-
-<file path=ppt/slideLayouts/slideLayout4.xml><?xml version="1.0" encoding="utf-8"?>
-<p:sldLayout xmlns:a="http://schemas.openxmlformats.org/drawingml/2006/main" xmlns:r="http://schemas.openxmlformats.org/officeDocument/2006/relationships" xmlns:p="http://schemas.openxmlformats.org/presentationml/2006/main" type="secHead" preserve="1">
-  <p:cSld name="Section Header">
-    <p:spTree>
-      <p:nvGrpSpPr>
-        <p:cNvPr id="1" name=""/>
-        <p:cNvGrpSpPr/>
-        <p:nvPr/>
-      </p:nvGrpSpPr>
-      <p:grpSpPr>
-        <a:xfrm>
-          <a:off x="0" y="0"/>
-          <a:ext cx="0" cy="0"/>
-          <a:chOff x="0" y="0"/>
-          <a:chExt cx="0" cy="0"/>
-        </a:xfrm>
-      </p:grpSpPr>
-      <p:sp>
-        <p:nvSpPr>
-          <p:cNvPr id="2" name="Title 1"/>
-          <p:cNvSpPr>
-            <a:spLocks noGrp="1"/>
-          </p:cNvSpPr>
-          <p:nvPr>
-            <p:ph type="title"/>
-          </p:nvPr>
-        </p:nvSpPr>
-        <p:spPr>
-          <a:xfrm>
-            <a:off x="722313" y="4406900"/>
-            <a:ext cx="7772400" cy="1362075"/>
-          </a:xfrm>
-        </p:spPr>
-        <p:txBody>
-          <a:bodyPr anchor="t"/>
-          <a:lstStyle>
-            <a:lvl1pPr algn="l">
-              <a:defRPr sz="4000" b="1" cap="all"/>
-            </a:lvl1pPr>
-          </a:lstStyle>
-          <a:p>
-            <a:r>
-              <a:rPr lang="en-US"/>
-              <a:t>Click to edit Master title style</a:t>
-            </a:r>
-            <a:endParaRPr lang="ru-RU" dirty="0"/>
-          </a:p>
-        </p:txBody>
-      </p:sp>
-      <p:sp>
-        <p:nvSpPr>
-          <p:cNvPr id="3" name="Text Placeholder 2"/>
-          <p:cNvSpPr>
-            <a:spLocks noGrp="1"/>
-          </p:cNvSpPr>
-          <p:nvPr>
-            <p:ph type="body" idx="1"/>
-          </p:nvPr>
-        </p:nvSpPr>
-        <p:spPr>
-          <a:xfrm>
-            <a:off x="722313" y="2906713"/>
-            <a:ext cx="7772400" cy="1500187"/>
-          </a:xfrm>
-        </p:spPr>
-        <p:txBody>
-          <a:bodyPr anchor="b"/>
-          <a:lstStyle>
-            <a:lvl1pPr marL="0" indent="0">
-              <a:buNone/>
-              <a:defRPr sz="2000">
-                <a:solidFill>
-                  <a:schemeClr val="tx1">
-                    <a:tint val="75000"/>
-                  </a:schemeClr>
-                </a:solidFill>
-              </a:defRPr>
-            </a:lvl1pPr>
-            <a:lvl2pPr marL="457200" indent="0">
-              <a:buNone/>
-              <a:defRPr sz="1800">
-                <a:solidFill>
-                  <a:schemeClr val="tx1">
-                    <a:tint val="75000"/>
-                  </a:schemeClr>
-                </a:solidFill>
-              </a:defRPr>
-            </a:lvl2pPr>
-            <a:lvl3pPr marL="914400" indent="0">
-              <a:buNone/>
-              <a:defRPr sz="1600">
-                <a:solidFill>
-                  <a:schemeClr val="tx1">
-                    <a:tint val="75000"/>
-                  </a:schemeClr>
-                </a:solidFill>
-              </a:defRPr>
-            </a:lvl3pPr>
-            <a:lvl4pPr marL="1371600" indent="0">
-              <a:buNone/>
-              <a:defRPr sz="1400">
-                <a:solidFill>
-                  <a:schemeClr val="tx1">
-                    <a:tint val="75000"/>
-                  </a:schemeClr>
-                </a:solidFill>
-              </a:defRPr>
-            </a:lvl4pPr>
-            <a:lvl5pPr marL="1828800" indent="0">
-              <a:buNone/>
-              <a:defRPr sz="1400">
-                <a:solidFill>
-                  <a:schemeClr val="tx1">
-                    <a:tint val="75000"/>
-                  </a:schemeClr>
-                </a:solidFill>
-              </a:defRPr>
-            </a:lvl5pPr>
-            <a:lvl6pPr marL="2286000" indent="0">
-              <a:buNone/>
-              <a:defRPr sz="1400">
-                <a:solidFill>
-                  <a:schemeClr val="tx1">
-                    <a:tint val="75000"/>
-                  </a:schemeClr>
-                </a:solidFill>
-              </a:defRPr>
-            </a:lvl6pPr>
-            <a:lvl7pPr marL="2743200" indent="0">
-              <a:buNone/>
-              <a:defRPr sz="1400">
-                <a:solidFill>
-                  <a:schemeClr val="tx1">
-                    <a:tint val="75000"/>
-                  </a:schemeClr>
-                </a:solidFill>
-              </a:defRPr>
-            </a:lvl7pPr>
-            <a:lvl8pPr marL="3200400" indent="0">
-              <a:buNone/>
-              <a:defRPr sz="1400">
-                <a:solidFill>
-                  <a:schemeClr val="tx1">
-                    <a:tint val="75000"/>
-                  </a:schemeClr>
-                </a:solidFill>
-              </a:defRPr>
-            </a:lvl8pPr>
-            <a:lvl9pPr marL="3657600" indent="0">
-              <a:buNone/>
-              <a:defRPr sz="1400">
-                <a:solidFill>
-                  <a:schemeClr val="tx1">
-                    <a:tint val="75000"/>
-                  </a:schemeClr>
-                </a:solidFill>
-              </a:defRPr>
-            </a:lvl9pPr>
-          </a:lstStyle>
-          <a:p>
-            <a:pPr lvl="0"/>
-            <a:r>
-              <a:rPr lang="en-US"/>
-              <a:t>Click to edit Master text styles</a:t>
-            </a:r>
-          </a:p>
-        </p:txBody>
-      </p:sp>
-    </p:spTree>
-    <p:extLst>
-      <p:ext uri="{BB962C8B-B14F-4D97-AF65-F5344CB8AC3E}">
-        <p14:creationId xmlns:p14="http://schemas.microsoft.com/office/powerpoint/2010/main" val="1627150216"/>
-      </p:ext>
-    </p:extLst>
-  </p:cSld>
-  <p:clrMapOvr>
-    <a:masterClrMapping/>
-  </p:clrMapOvr>
-</p:sldLayout>
-</file>
-
-<file path=ppt/slideLayouts/slideLayout5.xml><?xml version="1.0" encoding="utf-8"?>
-<p:sldLayout xmlns:a="http://schemas.openxmlformats.org/drawingml/2006/main" xmlns:r="http://schemas.openxmlformats.org/officeDocument/2006/relationships" xmlns:p="http://schemas.openxmlformats.org/presentationml/2006/main" type="twoObj" preserve="1">
-  <p:cSld name="Two Content">
-    <p:spTree>
-      <p:nvGrpSpPr>
-        <p:cNvPr id="1" name=""/>
-        <p:cNvGrpSpPr/>
-        <p:nvPr/>
-      </p:nvGrpSpPr>
-      <p:grpSpPr>
-        <a:xfrm>
-          <a:off x="0" y="0"/>
-          <a:ext cx="0" cy="0"/>
-          <a:chOff x="0" y="0"/>
-          <a:chExt cx="0" cy="0"/>
-        </a:xfrm>
-      </p:grpSpPr>
-      <p:sp>
-        <p:nvSpPr>
-          <p:cNvPr id="2" name="Title 1"/>
-          <p:cNvSpPr>
-            <a:spLocks noGrp="1"/>
-          </p:cNvSpPr>
-          <p:nvPr>
-            <p:ph type="title"/>
-          </p:nvPr>
-        </p:nvSpPr>
-        <p:spPr/>
-        <p:txBody>
-          <a:bodyPr/>
-          <a:lstStyle/>
-          <a:p>
-            <a:r>
-              <a:rPr lang="en-US"/>
-              <a:t>Click to edit Master title style</a:t>
-            </a:r>
-            <a:endParaRPr lang="ru-RU" dirty="0"/>
-          </a:p>
-        </p:txBody>
-      </p:sp>
-      <p:sp>
-        <p:nvSpPr>
-          <p:cNvPr id="3" name="Content Placeholder 2"/>
-          <p:cNvSpPr>
-            <a:spLocks noGrp="1"/>
-          </p:cNvSpPr>
-          <p:nvPr>
-            <p:ph sz="half" idx="1"/>
-          </p:nvPr>
-        </p:nvSpPr>
-        <p:spPr>
-          <a:xfrm>
-            <a:off x="457200" y="1600200"/>
-            <a:ext cx="4038600" cy="4525963"/>
-          </a:xfrm>
-        </p:spPr>
-        <p:txBody>
-          <a:bodyPr/>
-          <a:lstStyle>
-            <a:lvl1pPr>
-              <a:defRPr sz="2800"/>
-            </a:lvl1pPr>
-            <a:lvl2pPr>
-              <a:defRPr sz="2400"/>
-            </a:lvl2pPr>
-            <a:lvl3pPr>
-              <a:defRPr sz="2000"/>
-            </a:lvl3pPr>
-            <a:lvl4pPr>
-              <a:defRPr sz="1800"/>
-            </a:lvl4pPr>
-            <a:lvl5pPr>
-              <a:defRPr sz="1800"/>
-            </a:lvl5pPr>
-            <a:lvl6pPr>
-              <a:defRPr sz="1800"/>
-            </a:lvl6pPr>
-            <a:lvl7pPr>
-              <a:defRPr sz="1800"/>
-            </a:lvl7pPr>
-            <a:lvl8pPr>
-              <a:defRPr sz="1800"/>
-            </a:lvl8pPr>
-            <a:lvl9pPr>
-              <a:defRPr sz="1800"/>
-            </a:lvl9pPr>
-          </a:lstStyle>
-          <a:p>
-            <a:pPr lvl="0"/>
-            <a:r>
-              <a:rPr lang="en-US"/>
-              <a:t>Click to edit Master text styles</a:t>
-            </a:r>
-          </a:p>
-          <a:p>
-            <a:pPr lvl="1"/>
-            <a:r>
-              <a:rPr lang="en-US"/>
-              <a:t>Second level</a:t>
-            </a:r>
-          </a:p>
-          <a:p>
-            <a:pPr lvl="2"/>
-            <a:r>
-              <a:rPr lang="en-US"/>
-              <a:t>Third level</a:t>
-            </a:r>
-          </a:p>
-          <a:p>
-            <a:pPr lvl="3"/>
-            <a:r>
-              <a:rPr lang="en-US"/>
-              <a:t>Fourth level</a:t>
-            </a:r>
-          </a:p>
-          <a:p>
-            <a:pPr lvl="4"/>
-            <a:r>
-              <a:rPr lang="en-US"/>
-              <a:t>Fifth level</a:t>
-            </a:r>
-            <a:endParaRPr lang="ru-RU" dirty="0"/>
-          </a:p>
-        </p:txBody>
-      </p:sp>
-      <p:sp>
-        <p:nvSpPr>
-          <p:cNvPr id="4" name="Content Placeholder 3"/>
-          <p:cNvSpPr>
-            <a:spLocks noGrp="1"/>
-          </p:cNvSpPr>
-          <p:nvPr>
-            <p:ph sz="half" idx="2"/>
-          </p:nvPr>
-        </p:nvSpPr>
-        <p:spPr>
-          <a:xfrm>
-            <a:off x="4648200" y="1600200"/>
-            <a:ext cx="4038600" cy="4525963"/>
-          </a:xfrm>
-        </p:spPr>
-        <p:txBody>
-          <a:bodyPr/>
-          <a:lstStyle>
-            <a:lvl1pPr>
-              <a:defRPr sz="2800"/>
-            </a:lvl1pPr>
-            <a:lvl2pPr>
-              <a:defRPr sz="2400"/>
-            </a:lvl2pPr>
-            <a:lvl3pPr>
-              <a:defRPr sz="2000"/>
-            </a:lvl3pPr>
-            <a:lvl4pPr>
-              <a:defRPr sz="1800"/>
-            </a:lvl4pPr>
-            <a:lvl5pPr>
-              <a:defRPr sz="1800"/>
-            </a:lvl5pPr>
-            <a:lvl6pPr>
-              <a:defRPr sz="1800"/>
-            </a:lvl6pPr>
-            <a:lvl7pPr>
-              <a:defRPr sz="1800"/>
-            </a:lvl7pPr>
-            <a:lvl8pPr>
-              <a:defRPr sz="1800"/>
-            </a:lvl8pPr>
-            <a:lvl9pPr>
-              <a:defRPr sz="1800"/>
-            </a:lvl9pPr>
-          </a:lstStyle>
-          <a:p>
-            <a:pPr lvl="0"/>
-            <a:r>
-              <a:rPr lang="en-US"/>
-              <a:t>Click to edit Master text styles</a:t>
-            </a:r>
-          </a:p>
-          <a:p>
-            <a:pPr lvl="1"/>
-            <a:r>
-              <a:rPr lang="en-US"/>
-              <a:t>Second level</a:t>
-            </a:r>
-          </a:p>
-          <a:p>
-            <a:pPr lvl="2"/>
-            <a:r>
-              <a:rPr lang="en-US"/>
-              <a:t>Third level</a:t>
-            </a:r>
-          </a:p>
-          <a:p>
-            <a:pPr lvl="3"/>
-            <a:r>
-              <a:rPr lang="en-US"/>
-              <a:t>Fourth level</a:t>
-            </a:r>
-          </a:p>
-          <a:p>
-            <a:pPr lvl="4"/>
-            <a:r>
-              <a:rPr lang="en-US"/>
-              <a:t>Fifth level</a:t>
-            </a:r>
-            <a:endParaRPr lang="ru-RU" dirty="0"/>
-          </a:p>
-        </p:txBody>
-      </p:sp>
-    </p:spTree>
-    <p:extLst>
-      <p:ext uri="{BB962C8B-B14F-4D97-AF65-F5344CB8AC3E}">
-        <p14:creationId xmlns:p14="http://schemas.microsoft.com/office/powerpoint/2010/main" val="1026234569"/>
-      </p:ext>
-    </p:extLst>
-  </p:cSld>
-  <p:clrMapOvr>
-    <a:masterClrMapping/>
-  </p:clrMapOvr>
-</p:sldLayout>
-</file>
-
-<file path=ppt/slideLayouts/slideLayout6.xml><?xml version="1.0" encoding="utf-8"?>
-<p:sldLayout xmlns:a="http://schemas.openxmlformats.org/drawingml/2006/main" xmlns:r="http://schemas.openxmlformats.org/officeDocument/2006/relationships" xmlns:p="http://schemas.openxmlformats.org/presentationml/2006/main" type="twoTxTwoObj" preserve="1">
-  <p:cSld name="Comparison">
-    <p:spTree>
-      <p:nvGrpSpPr>
-        <p:cNvPr id="1" name=""/>
-        <p:cNvGrpSpPr/>
-        <p:nvPr/>
-      </p:nvGrpSpPr>
-      <p:grpSpPr>
-        <a:xfrm>
-          <a:off x="0" y="0"/>
-          <a:ext cx="0" cy="0"/>
-          <a:chOff x="0" y="0"/>
-          <a:chExt cx="0" cy="0"/>
-        </a:xfrm>
-      </p:grpSpPr>
-      <p:sp>
-        <p:nvSpPr>
-          <p:cNvPr id="2" name="Title 1"/>
-          <p:cNvSpPr>
-            <a:spLocks noGrp="1"/>
-          </p:cNvSpPr>
-          <p:nvPr>
-            <p:ph type="title"/>
-          </p:nvPr>
-        </p:nvSpPr>
-        <p:spPr/>
-        <p:txBody>
-          <a:bodyPr/>
-          <a:lstStyle>
-            <a:lvl1pPr>
-              <a:defRPr/>
-            </a:lvl1pPr>
-          </a:lstStyle>
-          <a:p>
-            <a:r>
-              <a:rPr lang="en-US"/>
-              <a:t>Click to edit Master title style</a:t>
-            </a:r>
-            <a:endParaRPr lang="ru-RU" dirty="0"/>
-          </a:p>
-        </p:txBody>
-      </p:sp>
-      <p:sp>
-        <p:nvSpPr>
-          <p:cNvPr id="3" name="Text Placeholder 2"/>
-          <p:cNvSpPr>
-            <a:spLocks noGrp="1"/>
-          </p:cNvSpPr>
-          <p:nvPr>
-            <p:ph type="body" idx="1"/>
-          </p:nvPr>
-        </p:nvSpPr>
-        <p:spPr>
-          <a:xfrm>
-            <a:off x="457200" y="1535113"/>
-            <a:ext cx="4040188" cy="639762"/>
-          </a:xfrm>
-        </p:spPr>
-        <p:txBody>
-          <a:bodyPr anchor="b"/>
-          <a:lstStyle>
-            <a:lvl1pPr marL="0" indent="0">
-              <a:buNone/>
-              <a:defRPr sz="2400" b="1"/>
-            </a:lvl1pPr>
-            <a:lvl2pPr marL="457200" indent="0">
-              <a:buNone/>
-              <a:defRPr sz="2000" b="1"/>
-            </a:lvl2pPr>
-            <a:lvl3pPr marL="914400" indent="0">
-              <a:buNone/>
-              <a:defRPr sz="1800" b="1"/>
-            </a:lvl3pPr>
-            <a:lvl4pPr marL="1371600" indent="0">
-              <a:buNone/>
-              <a:defRPr sz="1600" b="1"/>
-            </a:lvl4pPr>
-            <a:lvl5pPr marL="1828800" indent="0">
-              <a:buNone/>
-              <a:defRPr sz="1600" b="1"/>
-            </a:lvl5pPr>
-            <a:lvl6pPr marL="2286000" indent="0">
-              <a:buNone/>
-              <a:defRPr sz="1600" b="1"/>
-            </a:lvl6pPr>
-            <a:lvl7pPr marL="2743200" indent="0">
-              <a:buNone/>
-              <a:defRPr sz="1600" b="1"/>
-            </a:lvl7pPr>
-            <a:lvl8pPr marL="3200400" indent="0">
-              <a:buNone/>
-              <a:defRPr sz="1600" b="1"/>
-            </a:lvl8pPr>
-            <a:lvl9pPr marL="3657600" indent="0">
-              <a:buNone/>
-              <a:defRPr sz="1600" b="1"/>
-            </a:lvl9pPr>
-          </a:lstStyle>
-          <a:p>
-            <a:pPr lvl="0"/>
-            <a:r>
-              <a:rPr lang="en-US"/>
-              <a:t>Click to edit Master text styles</a:t>
-            </a:r>
-          </a:p>
-        </p:txBody>
-      </p:sp>
-      <p:sp>
-        <p:nvSpPr>
-          <p:cNvPr id="4" name="Content Placeholder 3"/>
-          <p:cNvSpPr>
-            <a:spLocks noGrp="1"/>
-          </p:cNvSpPr>
-          <p:nvPr>
-            <p:ph sz="half" idx="2"/>
-          </p:nvPr>
-        </p:nvSpPr>
-        <p:spPr>
-          <a:xfrm>
-            <a:off x="457200" y="2174875"/>
-            <a:ext cx="4040188" cy="3951288"/>
-          </a:xfrm>
-        </p:spPr>
-        <p:txBody>
-          <a:bodyPr/>
-          <a:lstStyle>
-            <a:lvl1pPr>
-              <a:defRPr sz="2400"/>
-            </a:lvl1pPr>
-            <a:lvl2pPr>
-              <a:defRPr sz="2000"/>
-            </a:lvl2pPr>
-            <a:lvl3pPr>
-              <a:defRPr sz="1800"/>
-            </a:lvl3pPr>
-            <a:lvl4pPr>
-              <a:defRPr sz="1600"/>
-            </a:lvl4pPr>
-            <a:lvl5pPr>
-              <a:defRPr sz="1600"/>
-            </a:lvl5pPr>
-            <a:lvl6pPr>
-              <a:defRPr sz="1600"/>
-            </a:lvl6pPr>
-            <a:lvl7pPr>
-              <a:defRPr sz="1600"/>
-            </a:lvl7pPr>
-            <a:lvl8pPr>
-              <a:defRPr sz="1600"/>
-            </a:lvl8pPr>
-            <a:lvl9pPr>
-              <a:defRPr sz="1600"/>
-            </a:lvl9pPr>
-          </a:lstStyle>
-          <a:p>
-            <a:pPr lvl="0"/>
-            <a:r>
-              <a:rPr lang="en-US"/>
-              <a:t>Click to edit Master text styles</a:t>
-            </a:r>
-          </a:p>
-          <a:p>
-            <a:pPr lvl="1"/>
-            <a:r>
-              <a:rPr lang="en-US"/>
-              <a:t>Second level</a:t>
-            </a:r>
-          </a:p>
-          <a:p>
-            <a:pPr lvl="2"/>
-            <a:r>
-              <a:rPr lang="en-US"/>
-              <a:t>Third level</a:t>
-            </a:r>
-          </a:p>
-          <a:p>
-            <a:pPr lvl="3"/>
-            <a:r>
-              <a:rPr lang="en-US"/>
-              <a:t>Fourth level</a:t>
-            </a:r>
-          </a:p>
-          <a:p>
-            <a:pPr lvl="4"/>
-            <a:r>
-              <a:rPr lang="en-US"/>
-              <a:t>Fifth level</a:t>
-            </a:r>
-            <a:endParaRPr lang="ru-RU" dirty="0"/>
-          </a:p>
-        </p:txBody>
-      </p:sp>
-      <p:sp>
-        <p:nvSpPr>
-          <p:cNvPr id="5" name="Text Placeholder 4"/>
-          <p:cNvSpPr>
-            <a:spLocks noGrp="1"/>
-          </p:cNvSpPr>
-          <p:nvPr>
-            <p:ph type="body" sz="quarter" idx="3"/>
-          </p:nvPr>
-        </p:nvSpPr>
-        <p:spPr>
-          <a:xfrm>
-            <a:off x="4645025" y="1535113"/>
-            <a:ext cx="4041775" cy="639762"/>
-          </a:xfrm>
-        </p:spPr>
-        <p:txBody>
-          <a:bodyPr anchor="b"/>
-          <a:lstStyle>
-            <a:lvl1pPr marL="0" indent="0">
-              <a:buNone/>
-              <a:defRPr sz="2400" b="1"/>
-            </a:lvl1pPr>
-            <a:lvl2pPr marL="457200" indent="0">
-              <a:buNone/>
-              <a:defRPr sz="2000" b="1"/>
-            </a:lvl2pPr>
-            <a:lvl3pPr marL="914400" indent="0">
-              <a:buNone/>
-              <a:defRPr sz="1800" b="1"/>
-            </a:lvl3pPr>
-            <a:lvl4pPr marL="1371600" indent="0">
-              <a:buNone/>
-              <a:defRPr sz="1600" b="1"/>
-            </a:lvl4pPr>
-            <a:lvl5pPr marL="1828800" indent="0">
-              <a:buNone/>
-              <a:defRPr sz="1600" b="1"/>
-            </a:lvl5pPr>
-            <a:lvl6pPr marL="2286000" indent="0">
-              <a:buNone/>
-              <a:defRPr sz="1600" b="1"/>
-            </a:lvl6pPr>
-            <a:lvl7pPr marL="2743200" indent="0">
-              <a:buNone/>
-              <a:defRPr sz="1600" b="1"/>
-            </a:lvl7pPr>
-            <a:lvl8pPr marL="3200400" indent="0">
-              <a:buNone/>
-              <a:defRPr sz="1600" b="1"/>
-            </a:lvl8pPr>
-            <a:lvl9pPr marL="3657600" indent="0">
-              <a:buNone/>
-              <a:defRPr sz="1600" b="1"/>
-            </a:lvl9pPr>
-          </a:lstStyle>
-          <a:p>
-            <a:pPr lvl="0"/>
-            <a:r>
-              <a:rPr lang="en-US"/>
-              <a:t>Click to edit Master text styles</a:t>
-            </a:r>
-          </a:p>
-        </p:txBody>
-      </p:sp>
-      <p:sp>
-        <p:nvSpPr>
-          <p:cNvPr id="6" name="Content Placeholder 5"/>
-          <p:cNvSpPr>
-            <a:spLocks noGrp="1"/>
-          </p:cNvSpPr>
-          <p:nvPr>
-            <p:ph sz="quarter" idx="4"/>
-          </p:nvPr>
-        </p:nvSpPr>
-        <p:spPr>
-          <a:xfrm>
-            <a:off x="4645025" y="2174875"/>
-            <a:ext cx="4041775" cy="3951288"/>
-          </a:xfrm>
-        </p:spPr>
-        <p:txBody>
-          <a:bodyPr/>
-          <a:lstStyle>
-            <a:lvl1pPr>
-              <a:defRPr sz="2400"/>
-            </a:lvl1pPr>
-            <a:lvl2pPr>
-              <a:defRPr sz="2000"/>
-            </a:lvl2pPr>
-            <a:lvl3pPr>
-              <a:defRPr sz="1800"/>
-            </a:lvl3pPr>
-            <a:lvl4pPr>
-              <a:defRPr sz="1600"/>
-            </a:lvl4pPr>
-            <a:lvl5pPr>
-              <a:defRPr sz="1600"/>
-            </a:lvl5pPr>
-            <a:lvl6pPr>
-              <a:defRPr sz="1600"/>
-            </a:lvl6pPr>
-            <a:lvl7pPr>
-              <a:defRPr sz="1600"/>
-            </a:lvl7pPr>
-            <a:lvl8pPr>
-              <a:defRPr sz="1600"/>
-            </a:lvl8pPr>
-            <a:lvl9pPr>
-              <a:defRPr sz="1600"/>
-            </a:lvl9pPr>
-          </a:lstStyle>
-          <a:p>
-            <a:pPr lvl="0"/>
-            <a:r>
-              <a:rPr lang="en-US"/>
-              <a:t>Click to edit Master text styles</a:t>
-            </a:r>
-          </a:p>
-          <a:p>
-            <a:pPr lvl="1"/>
-            <a:r>
-              <a:rPr lang="en-US"/>
-              <a:t>Second level</a:t>
-            </a:r>
-          </a:p>
-          <a:p>
-            <a:pPr lvl="2"/>
-            <a:r>
-              <a:rPr lang="en-US"/>
-              <a:t>Third level</a:t>
-            </a:r>
-          </a:p>
-          <a:p>
-            <a:pPr lvl="3"/>
-            <a:r>
-              <a:rPr lang="en-US"/>
-              <a:t>Fourth level</a:t>
-            </a:r>
-          </a:p>
-          <a:p>
-            <a:pPr lvl="4"/>
-            <a:r>
-              <a:rPr lang="en-US"/>
-              <a:t>Fifth level</a:t>
-            </a:r>
-            <a:endParaRPr lang="ru-RU" dirty="0"/>
-          </a:p>
-        </p:txBody>
-      </p:sp>
-    </p:spTree>
-    <p:extLst>
-      <p:ext uri="{BB962C8B-B14F-4D97-AF65-F5344CB8AC3E}">
-        <p14:creationId xmlns:p14="http://schemas.microsoft.com/office/powerpoint/2010/main" val="4044979405"/>
-      </p:ext>
-    </p:extLst>
-  </p:cSld>
-  <p:clrMapOvr>
-    <a:masterClrMapping/>
-  </p:clrMapOvr>
-</p:sldLayout>
-</file>
-
-<file path=ppt/slideLayouts/slideLayout7.xml><?xml version="1.0" encoding="utf-8"?>
-<p:sldLayout xmlns:a="http://schemas.openxmlformats.org/drawingml/2006/main" xmlns:r="http://schemas.openxmlformats.org/officeDocument/2006/relationships" xmlns:p="http://schemas.openxmlformats.org/presentationml/2006/main" type="titleOnly" preserve="1">
-  <p:cSld name="Title Only">
-    <p:spTree>
-      <p:nvGrpSpPr>
-        <p:cNvPr id="1" name=""/>
-        <p:cNvGrpSpPr/>
-        <p:nvPr/>
-      </p:nvGrpSpPr>
-      <p:grpSpPr>
-        <a:xfrm>
-          <a:off x="0" y="0"/>
-          <a:ext cx="0" cy="0"/>
-          <a:chOff x="0" y="0"/>
-          <a:chExt cx="0" cy="0"/>
-        </a:xfrm>
-      </p:grpSpPr>
-      <p:sp>
-        <p:nvSpPr>
-          <p:cNvPr id="2" name="Title 1"/>
-          <p:cNvSpPr>
-            <a:spLocks noGrp="1"/>
-          </p:cNvSpPr>
-          <p:nvPr>
-            <p:ph type="title"/>
-          </p:nvPr>
-        </p:nvSpPr>
-        <p:spPr/>
-        <p:txBody>
-          <a:bodyPr/>
-          <a:lstStyle/>
-          <a:p>
-            <a:r>
-              <a:rPr lang="en-US"/>
-              <a:t>Click to edit Master title style</a:t>
-            </a:r>
-            <a:endParaRPr lang="ru-RU" dirty="0"/>
-          </a:p>
-        </p:txBody>
-      </p:sp>
-    </p:spTree>
-    <p:extLst>
-      <p:ext uri="{BB962C8B-B14F-4D97-AF65-F5344CB8AC3E}">
-        <p14:creationId xmlns:p14="http://schemas.microsoft.com/office/powerpoint/2010/main" val="125202666"/>
-      </p:ext>
-    </p:extLst>
-  </p:cSld>
-  <p:clrMapOvr>
-    <a:masterClrMapping/>
-  </p:clrMapOvr>
-</p:sldLayout>
-</file>
-
-<file path=ppt/slideLayouts/slideLayout8.xml><?xml version="1.0" encoding="utf-8"?>
-<p:sldLayout xmlns:a="http://schemas.openxmlformats.org/drawingml/2006/main" xmlns:r="http://schemas.openxmlformats.org/officeDocument/2006/relationships" xmlns:p="http://schemas.openxmlformats.org/presentationml/2006/main" preserve="1" userDrawn="1">
-  <p:cSld name="Demo">
-    <p:spTree>
-      <p:nvGrpSpPr>
-        <p:cNvPr id="1" name=""/>
-        <p:cNvGrpSpPr/>
-        <p:nvPr/>
-      </p:nvGrpSpPr>
-      <p:grpSpPr>
-        <a:xfrm>
-          <a:off x="0" y="0"/>
-          <a:ext cx="0" cy="0"/>
-          <a:chOff x="0" y="0"/>
-          <a:chExt cx="0" cy="0"/>
-        </a:xfrm>
-      </p:grpSpPr>
-      <p:sp>
-        <p:nvSpPr>
-          <p:cNvPr id="10" name="TextBox 9"/>
-          <p:cNvSpPr txBox="1"/>
-          <p:nvPr userDrawn="1"/>
-        </p:nvSpPr>
-        <p:spPr>
-          <a:xfrm>
-            <a:off x="359532" y="3136613"/>
-            <a:ext cx="8424936" cy="584775"/>
-          </a:xfrm>
-          <a:prstGeom prst="rect">
-            <a:avLst/>
-          </a:prstGeom>
-          <a:noFill/>
-        </p:spPr>
-        <p:txBody>
-          <a:bodyPr wrap="square" rtlCol="0" anchor="ctr">
-            <a:spAutoFit/>
-          </a:bodyPr>
-          <a:lstStyle/>
-          <a:p>
-            <a:pPr algn="ctr"/>
-            <a:r>
-              <a:rPr lang="ru-RU" sz="3200" dirty="0"/>
-              <a:t>Название.</a:t>
-            </a:r>
-            <a:r>
-              <a:rPr lang="ru-RU" sz="3200" baseline="0" dirty="0"/>
-              <a:t> Демонстрация.</a:t>
-            </a:r>
-            <a:endParaRPr lang="ru-RU" sz="3200" dirty="0"/>
-          </a:p>
-        </p:txBody>
-      </p:sp>
-    </p:spTree>
-    <p:extLst>
-      <p:ext uri="{BB962C8B-B14F-4D97-AF65-F5344CB8AC3E}">
-        <p14:creationId xmlns:p14="http://schemas.microsoft.com/office/powerpoint/2010/main" val="3308008441"/>
-      </p:ext>
-    </p:extLst>
-  </p:cSld>
-  <p:clrMapOvr>
-    <a:masterClrMapping/>
-  </p:clrMapOvr>
-</p:sldLayout>
-</file>
-
-<file path=ppt/slideLayouts/slideLayout9.xml><?xml version="1.0" encoding="utf-8"?>
-<p:sldLayout xmlns:a="http://schemas.openxmlformats.org/drawingml/2006/main" xmlns:r="http://schemas.openxmlformats.org/officeDocument/2006/relationships" xmlns:p="http://schemas.openxmlformats.org/presentationml/2006/main" type="blank" preserve="1">
-  <p:cSld name="1_Blank">
-    <p:spTree>
-      <p:nvGrpSpPr>
-        <p:cNvPr id="1" name=""/>
-        <p:cNvGrpSpPr/>
-        <p:nvPr/>
-      </p:nvGrpSpPr>
-      <p:grpSpPr>
-        <a:xfrm>
-          <a:off x="0" y="0"/>
-          <a:ext cx="0" cy="0"/>
-          <a:chOff x="0" y="0"/>
-          <a:chExt cx="0" cy="0"/>
-        </a:xfrm>
-      </p:grpSpPr>
-    </p:spTree>
-    <p:extLst>
-      <p:ext uri="{BB962C8B-B14F-4D97-AF65-F5344CB8AC3E}">
-        <p14:creationId xmlns:p14="http://schemas.microsoft.com/office/powerpoint/2010/main" val="2618453949"/>
-      </p:ext>
-    </p:extLst>
-  </p:cSld>
-  <p:clrMapOvr>
-    <a:masterClrMapping/>
-  </p:clrMapOvr>
-</p:sldLayout>
-</file>
-
 <file path=ppt/slideMasters/slideMaster1.xml><?xml version="1.0" encoding="utf-8"?>
 <p:sldMaster xmlns:a="http://schemas.openxmlformats.org/drawingml/2006/main" xmlns:r="http://schemas.openxmlformats.org/officeDocument/2006/relationships" xmlns:p="http://schemas.openxmlformats.org/presentationml/2006/main">
   <p:cSld>
     <p:bg>
       <p:bgPr>
         <a:blipFill dpi="0" rotWithShape="1">
-          <a:blip r:embed="rId16">
+          <a:blip r:embed="rId14">
             <a:lum/>
           </a:blip>
           <a:srcRect/>
@@ -2927,7 +2539,7 @@
           <a:p>
             <a:fld id="{AC3D3127-B7C4-45E3-9797-C527EC9FDD78}" type="datetimeFigureOut">
               <a:rPr lang="ru-RU" smtClean="0"/>
-              <a:t>01.07.2018</a:t>
+              <a:t>22.02.2019</a:t>
             </a:fld>
             <a:endParaRPr lang="ru-RU"/>
           </a:p>
@@ -3020,20 +2632,18 @@
   </p:cSld>
   <p:clrMap bg1="lt1" tx1="dk1" bg2="lt2" tx2="dk2" accent1="accent1" accent2="accent2" accent3="accent3" accent4="accent4" accent5="accent5" accent6="accent6" hlink="hlink" folHlink="folHlink"/>
   <p:sldLayoutIdLst>
-    <p:sldLayoutId id="2147483649" r:id="rId1"/>
-    <p:sldLayoutId id="2147483661" r:id="rId2"/>
-    <p:sldLayoutId id="2147483650" r:id="rId3"/>
-    <p:sldLayoutId id="2147483651" r:id="rId4"/>
-    <p:sldLayoutId id="2147483652" r:id="rId5"/>
-    <p:sldLayoutId id="2147483653" r:id="rId6"/>
-    <p:sldLayoutId id="2147483654" r:id="rId7"/>
-    <p:sldLayoutId id="2147483655" r:id="rId8"/>
-    <p:sldLayoutId id="2147483660" r:id="rId9"/>
-    <p:sldLayoutId id="2147483656" r:id="rId10"/>
-    <p:sldLayoutId id="2147483657" r:id="rId11"/>
-    <p:sldLayoutId id="2147483658" r:id="rId12"/>
-    <p:sldLayoutId id="2147483659" r:id="rId13"/>
-    <p:sldLayoutId id="2147483662" r:id="rId14"/>
+    <p:sldLayoutId id="2147483650" r:id="rId1"/>
+    <p:sldLayoutId id="2147483651" r:id="rId2"/>
+    <p:sldLayoutId id="2147483652" r:id="rId3"/>
+    <p:sldLayoutId id="2147483653" r:id="rId4"/>
+    <p:sldLayoutId id="2147483654" r:id="rId5"/>
+    <p:sldLayoutId id="2147483655" r:id="rId6"/>
+    <p:sldLayoutId id="2147483660" r:id="rId7"/>
+    <p:sldLayoutId id="2147483656" r:id="rId8"/>
+    <p:sldLayoutId id="2147483657" r:id="rId9"/>
+    <p:sldLayoutId id="2147483658" r:id="rId10"/>
+    <p:sldLayoutId id="2147483659" r:id="rId11"/>
+    <p:sldLayoutId id="2147483662" r:id="rId12"/>
   </p:sldLayoutIdLst>
   <p:txStyles>
     <p:titleStyle>
@@ -3406,7 +3016,7 @@
           <p:cNvPr id="8" name="TextBox 7">
             <a:extLst>
               <a:ext uri="{FF2B5EF4-FFF2-40B4-BE49-F238E27FC236}">
-                <a16:creationId xmlns:a16="http://schemas.microsoft.com/office/drawing/2014/main" id="{15D31526-2CF7-F543-9AB0-2E63E6C4D03D}"/>
+                <a16:creationId xmlns:a16="http://schemas.microsoft.com/office/drawing/2014/main" xmlns="" id="{15D31526-2CF7-F543-9AB0-2E63E6C4D03D}"/>
               </a:ext>
             </a:extLst>
           </p:cNvPr>
